--- a/homework12_22/崔浩/SDN1222-崔浩.pptx
+++ b/homework12_22/崔浩/SDN1222-崔浩.pptx
@@ -6,7 +6,7 @@
     <p:sldMasterId id="2147483679" r:id="rId2"/>
   </p:sldMasterIdLst>
   <p:notesMasterIdLst>
-    <p:notesMasterId r:id="rId19"/>
+    <p:notesMasterId r:id="rId27"/>
   </p:notesMasterIdLst>
   <p:sldIdLst>
     <p:sldId id="282" r:id="rId3"/>
@@ -19,12 +19,20 @@
     <p:sldId id="291" r:id="rId10"/>
     <p:sldId id="292" r:id="rId11"/>
     <p:sldId id="293" r:id="rId12"/>
-    <p:sldId id="294" r:id="rId13"/>
-    <p:sldId id="295" r:id="rId14"/>
-    <p:sldId id="296" r:id="rId15"/>
-    <p:sldId id="297" r:id="rId16"/>
-    <p:sldId id="298" r:id="rId17"/>
-    <p:sldId id="299" r:id="rId18"/>
+    <p:sldId id="300" r:id="rId13"/>
+    <p:sldId id="301" r:id="rId14"/>
+    <p:sldId id="302" r:id="rId15"/>
+    <p:sldId id="303" r:id="rId16"/>
+    <p:sldId id="304" r:id="rId17"/>
+    <p:sldId id="305" r:id="rId18"/>
+    <p:sldId id="306" r:id="rId19"/>
+    <p:sldId id="307" r:id="rId20"/>
+    <p:sldId id="294" r:id="rId21"/>
+    <p:sldId id="295" r:id="rId22"/>
+    <p:sldId id="296" r:id="rId23"/>
+    <p:sldId id="297" r:id="rId24"/>
+    <p:sldId id="298" r:id="rId25"/>
+    <p:sldId id="299" r:id="rId26"/>
   </p:sldIdLst>
   <p:sldSz cx="12192000" cy="6858000"/>
   <p:notesSz cx="6858000" cy="9144000"/>
@@ -6180,11 +6188,7 @@
           <a:p>
             <a:r>
               <a:rPr lang="zh-CN" altLang="en-US" dirty="0" smtClean="0"/>
-              <a:t>概要</a:t>
-            </a:r>
-            <a:r>
-              <a:rPr lang="zh-CN" altLang="en-US" dirty="0" smtClean="0"/>
-              <a:t>：</a:t>
+              <a:t>概要：</a:t>
             </a:r>
             <a:endParaRPr lang="en-US" altLang="zh-CN" dirty="0" smtClean="0"/>
           </a:p>
@@ -6232,11 +6236,7 @@
           <a:p>
             <a:r>
               <a:rPr lang="zh-CN" altLang="en-US" dirty="0" smtClean="0"/>
-              <a:t>解决的问题</a:t>
-            </a:r>
-            <a:r>
-              <a:rPr lang="zh-CN" altLang="en-US" dirty="0" smtClean="0"/>
-              <a:t>：</a:t>
+              <a:t>解决的问题：</a:t>
             </a:r>
             <a:endParaRPr lang="en-US" altLang="zh-CN" dirty="0" smtClean="0"/>
           </a:p>
@@ -6338,7 +6338,7 @@
           <a:p>
             <a:r>
               <a:rPr lang="en-US" altLang="zh-CN" dirty="0" smtClean="0"/>
-              <a:t>05</a:t>
+              <a:t>06</a:t>
             </a:r>
             <a:endParaRPr lang="zh-CN" altLang="en-US" dirty="0"/>
           </a:p>
@@ -6408,18 +6408,31 @@
             <p:ph type="body" sz="quarter" idx="10"/>
           </p:nvPr>
         </p:nvSpPr>
-        <p:spPr/>
+        <p:spPr>
+          <a:xfrm>
+            <a:off x="886691" y="144228"/>
+            <a:ext cx="4075926" cy="362708"/>
+          </a:xfrm>
+        </p:spPr>
         <p:txBody>
           <a:bodyPr/>
           <a:lstStyle/>
           <a:p>
             <a:r>
               <a:rPr kumimoji="1" lang="en-US" altLang="zh-CN" dirty="0" err="1" smtClean="0"/>
-              <a:t>FastUp</a:t>
+              <a:t>FastRule</a:t>
             </a:r>
             <a:r>
               <a:rPr kumimoji="1" lang="zh-CN" altLang="en-US" dirty="0" smtClean="0"/>
-              <a:t>流表更新算法</a:t>
+              <a:t>：基于</a:t>
+            </a:r>
+            <a:r>
+              <a:rPr kumimoji="1" lang="en-US" altLang="zh-CN" dirty="0" smtClean="0"/>
+              <a:t>DAG</a:t>
+            </a:r>
+            <a:r>
+              <a:rPr kumimoji="1" lang="zh-CN" altLang="en-US" dirty="0" smtClean="0"/>
+              <a:t>的流表更新策略</a:t>
             </a:r>
             <a:endParaRPr kumimoji="1" lang="zh-CN" altLang="en-US" dirty="0"/>
           </a:p>
@@ -6441,8 +6454,8 @@
           <a:lstStyle/>
           <a:p>
             <a:r>
-              <a:rPr kumimoji="1" lang="en-US" altLang="zh-CN" dirty="0" smtClean="0"/>
-              <a:t>9</a:t>
+              <a:rPr kumimoji="1" lang="en-US" altLang="zh-CN" dirty="0"/>
+              <a:t>8</a:t>
             </a:r>
             <a:endParaRPr kumimoji="1" lang="zh-CN" altLang="en-US" dirty="0"/>
           </a:p>
@@ -6813,8 +6826,8 @@
         </p:nvSpPr>
         <p:spPr>
           <a:xfrm>
-            <a:off x="1189692" y="1361803"/>
-            <a:ext cx="10384332" cy="646331"/>
+            <a:off x="1189692" y="1336469"/>
+            <a:ext cx="10384332" cy="923330"/>
           </a:xfrm>
           <a:prstGeom prst="rect">
             <a:avLst/>
@@ -6933,12 +6946,27 @@
           </a:p>
           <a:p>
             <a:r>
-              <a:rPr lang="en-US" altLang="zh-CN" dirty="0" err="1" smtClean="0"/>
-              <a:t>FastUp</a:t>
-            </a:r>
-            <a:r>
-              <a:rPr lang="en-US" altLang="zh-CN" dirty="0" smtClean="0"/>
-              <a:t>: Fast TCAM Flow Table Updates for SDN Switches</a:t>
+              <a:rPr lang="en-US" altLang="zh-CN" dirty="0"/>
+              <a:t>Fast Lookup Is Not Enough: Towards Efficient and Scalable</a:t>
+            </a:r>
+            <a:br>
+              <a:rPr lang="en-US" altLang="zh-CN" dirty="0"/>
+            </a:br>
+            <a:r>
+              <a:rPr lang="en-US" altLang="zh-CN" dirty="0"/>
+              <a:t>Flow Entry Updates for TCAM-based </a:t>
+            </a:r>
+            <a:r>
+              <a:rPr lang="en-US" altLang="zh-CN" dirty="0" err="1"/>
+              <a:t>OpenFlow</a:t>
+            </a:r>
+            <a:r>
+              <a:rPr lang="en-US" altLang="zh-CN" dirty="0"/>
+              <a:t> Switches</a:t>
+            </a:r>
+            <a:r>
+              <a:rPr lang="en-US" altLang="zh-CN" dirty="0"/>
+              <a:t> </a:t>
             </a:r>
             <a:endParaRPr lang="en-US" altLang="zh-CN" dirty="0" smtClean="0"/>
           </a:p>
@@ -6952,8 +6980,8 @@
         </p:nvSpPr>
         <p:spPr>
           <a:xfrm>
-            <a:off x="1189691" y="2720520"/>
-            <a:ext cx="9001873" cy="1200329"/>
+            <a:off x="1189691" y="2821200"/>
+            <a:ext cx="9001873" cy="923330"/>
           </a:xfrm>
           <a:prstGeom prst="rect">
             <a:avLst/>
@@ -6973,36 +7001,20 @@
               <a:rPr lang="zh-CN" altLang="en-US" dirty="0" smtClean="0"/>
               <a:t>：</a:t>
             </a:r>
-            <a:endParaRPr lang="en-US" altLang="zh-CN" dirty="0"/>
-          </a:p>
-          <a:p>
-            <a:r>
-              <a:rPr lang="zh-CN" altLang="en-US" dirty="0" smtClean="0"/>
-              <a:t>对</a:t>
+            <a:endParaRPr lang="en-US" altLang="zh-CN" dirty="0" smtClean="0"/>
+          </a:p>
+          <a:p>
+            <a:r>
+              <a:rPr lang="zh-CN" altLang="en-US" dirty="0" smtClean="0"/>
+              <a:t>将流表规则间的依赖关系理解为</a:t>
             </a:r>
             <a:r>
               <a:rPr lang="en-US" altLang="zh-CN" dirty="0" smtClean="0"/>
-              <a:t>TCAM</a:t>
-            </a:r>
-            <a:r>
-              <a:rPr lang="zh-CN" altLang="en-US" dirty="0" smtClean="0"/>
-              <a:t>的更新分为两步，第一步是计算更新的步骤，第二步是应用这个更新。现在大部分的研究都是在第二步上，本文重点对第一步进行优化，减少</a:t>
-            </a:r>
-            <a:r>
-              <a:rPr lang="en-US" altLang="zh-CN" dirty="0" smtClean="0"/>
-              <a:t>10</a:t>
-            </a:r>
-            <a:r>
-              <a:rPr lang="zh-CN" altLang="en-US" dirty="0" smtClean="0"/>
-              <a:t>倍的延时，增加</a:t>
-            </a:r>
-            <a:r>
-              <a:rPr lang="en-US" altLang="zh-CN" dirty="0" smtClean="0"/>
-              <a:t>3-5</a:t>
-            </a:r>
-            <a:r>
-              <a:rPr lang="zh-CN" altLang="en-US" dirty="0" smtClean="0"/>
-              <a:t>倍的吞吐量</a:t>
+              <a:t>DAG</a:t>
+            </a:r>
+            <a:r>
+              <a:rPr lang="zh-CN" altLang="en-US" dirty="0" smtClean="0"/>
+              <a:t>图，使用贪心策略和额外的数据结构（数组和二分索引树）加速流表更新过程。</a:t>
             </a:r>
             <a:endParaRPr lang="en-US" altLang="zh-CN" dirty="0" smtClean="0"/>
           </a:p>
@@ -7017,7 +7029,7 @@
         <p:spPr>
           <a:xfrm>
             <a:off x="1189690" y="4581172"/>
-            <a:ext cx="9001873" cy="923330"/>
+            <a:ext cx="9001873" cy="646331"/>
           </a:xfrm>
           <a:prstGeom prst="rect">
             <a:avLst/>
@@ -7031,18 +7043,30 @@
           <a:p>
             <a:r>
               <a:rPr lang="zh-CN" altLang="en-US" dirty="0" smtClean="0"/>
-              <a:t>解决的问题</a:t>
-            </a:r>
-            <a:r>
-              <a:rPr lang="zh-CN" altLang="en-US" dirty="0" smtClean="0"/>
-              <a:t>：</a:t>
+              <a:t>解决的问题：</a:t>
             </a:r>
             <a:endParaRPr lang="en-US" altLang="zh-CN" dirty="0" smtClean="0"/>
           </a:p>
           <a:p>
             <a:r>
-              <a:rPr lang="zh-CN" altLang="en-US" dirty="0" smtClean="0"/>
-              <a:t>最小化流表更新的影响与最快实现流表更新往往是相互矛盾的两个方面，需要一个算法综合考虑这两面的影响。</a:t>
+              <a:rPr lang="en-US" altLang="zh-CN" dirty="0" smtClean="0"/>
+              <a:t>TCAM</a:t>
+            </a:r>
+            <a:r>
+              <a:rPr lang="zh-CN" altLang="en-US" dirty="0" smtClean="0"/>
+              <a:t>流表更新太慢，</a:t>
+            </a:r>
+            <a:r>
+              <a:rPr lang="en-US" altLang="zh-CN" dirty="0" smtClean="0"/>
+              <a:t>TCAM</a:t>
+            </a:r>
+            <a:r>
+              <a:rPr lang="zh-CN" altLang="en-US" dirty="0" smtClean="0"/>
+              <a:t>适用于查询，不适用于更新</a:t>
+            </a:r>
+            <a:r>
+              <a:rPr lang="zh-CN" altLang="en-US" dirty="0" smtClean="0"/>
+              <a:t>。</a:t>
             </a:r>
             <a:endParaRPr lang="en-US" altLang="zh-CN" dirty="0" smtClean="0"/>
           </a:p>
@@ -7051,7 +7075,7 @@
     </p:spTree>
     <p:extLst>
       <p:ext uri="{BB962C8B-B14F-4D97-AF65-F5344CB8AC3E}">
-        <p14:creationId xmlns:p14="http://schemas.microsoft.com/office/powerpoint/2010/main" val="3926004951"/>
+        <p14:creationId xmlns:p14="http://schemas.microsoft.com/office/powerpoint/2010/main" val="1726627837"/>
       </p:ext>
     </p:extLst>
   </p:cSld>
@@ -7159,48 +7183,24 @@
         </p:blipFill>
         <p:spPr>
           <a:xfrm>
-            <a:off x="6052226" y="909821"/>
-            <a:ext cx="5231718" cy="2232874"/>
+            <a:off x="886691" y="1084917"/>
+            <a:ext cx="10180264" cy="3700147"/>
           </a:xfrm>
           <a:prstGeom prst="rect">
             <a:avLst/>
           </a:prstGeom>
         </p:spPr>
       </p:pic>
-      <p:pic>
-        <p:nvPicPr>
-          <p:cNvPr id="5" name="图片 4"/>
-          <p:cNvPicPr>
-            <a:picLocks noChangeAspect="1"/>
-          </p:cNvPicPr>
-          <p:nvPr/>
-        </p:nvPicPr>
-        <p:blipFill>
-          <a:blip r:embed="rId3"/>
-          <a:stretch>
-            <a:fillRect/>
-          </a:stretch>
-        </p:blipFill>
-        <p:spPr>
-          <a:xfrm>
-            <a:off x="5613092" y="3323363"/>
-            <a:ext cx="6109987" cy="2979512"/>
-          </a:xfrm>
-          <a:prstGeom prst="rect">
-            <a:avLst/>
-          </a:prstGeom>
-        </p:spPr>
-      </p:pic>
-      <p:sp>
-        <p:nvSpPr>
-          <p:cNvPr id="6" name="文本框 5"/>
+      <p:sp>
+        <p:nvSpPr>
+          <p:cNvPr id="5" name="文本框 4"/>
           <p:cNvSpPr txBox="1"/>
           <p:nvPr/>
         </p:nvSpPr>
         <p:spPr>
           <a:xfrm>
-            <a:off x="621437" y="1225118"/>
-            <a:ext cx="5320687" cy="2585323"/>
+            <a:off x="1196775" y="5160945"/>
+            <a:ext cx="9560096" cy="646331"/>
           </a:xfrm>
           <a:prstGeom prst="rect">
             <a:avLst/>
@@ -7208,166 +7208,23 @@
           <a:noFill/>
         </p:spPr>
         <p:txBody>
-          <a:bodyPr wrap="none" rtlCol="0">
+          <a:bodyPr wrap="square" rtlCol="0">
             <a:spAutoFit/>
           </a:bodyPr>
           <a:lstStyle/>
           <a:p>
-            <a:pPr marL="285750" indent="-285750">
-              <a:buFont typeface="Arial" panose="020B0604020202020204" pitchFamily="34" charset="0"/>
-              <a:buChar char="•"/>
-            </a:pPr>
-            <a:r>
-              <a:rPr lang="en-US" altLang="zh-CN" dirty="0" smtClean="0"/>
-              <a:t>SDN</a:t>
-            </a:r>
-            <a:r>
-              <a:rPr lang="zh-CN" altLang="en-US" dirty="0" smtClean="0"/>
-              <a:t>中的规则由</a:t>
-            </a:r>
-            <a:r>
-              <a:rPr lang="en-US" altLang="zh-CN" dirty="0" smtClean="0"/>
-              <a:t>{</a:t>
-            </a:r>
-            <a:r>
-              <a:rPr lang="en-US" altLang="zh-CN" dirty="0" err="1" smtClean="0"/>
-              <a:t>pri</a:t>
-            </a:r>
-            <a:r>
-              <a:rPr lang="en-US" altLang="zh-CN" dirty="0" smtClean="0"/>
-              <a:t>, </a:t>
-            </a:r>
-            <a:r>
-              <a:rPr lang="en-US" altLang="zh-CN" dirty="0" err="1" smtClean="0"/>
-              <a:t>sp</a:t>
-            </a:r>
-            <a:r>
-              <a:rPr lang="en-US" altLang="zh-CN" dirty="0" smtClean="0"/>
-              <a:t>, act}</a:t>
-            </a:r>
-            <a:r>
-              <a:rPr lang="zh-CN" altLang="en-US" dirty="0" smtClean="0"/>
-              <a:t>三元组构成</a:t>
-            </a:r>
-            <a:endParaRPr lang="en-US" altLang="zh-CN" dirty="0" smtClean="0"/>
-          </a:p>
-          <a:p>
-            <a:pPr marL="285750" indent="-285750">
-              <a:buFont typeface="Arial" panose="020B0604020202020204" pitchFamily="34" charset="0"/>
-              <a:buChar char="•"/>
-            </a:pPr>
-            <a:endParaRPr lang="en-US" altLang="zh-CN" dirty="0"/>
-          </a:p>
-          <a:p>
-            <a:pPr marL="285750" indent="-285750">
-              <a:buFont typeface="Arial" panose="020B0604020202020204" pitchFamily="34" charset="0"/>
-              <a:buChar char="•"/>
-            </a:pPr>
-            <a:r>
-              <a:rPr lang="zh-CN" altLang="en-US" dirty="0" smtClean="0"/>
-              <a:t>规则可能是重叠的，最高优先级的规则才能执行</a:t>
-            </a:r>
-            <a:endParaRPr lang="en-US" altLang="zh-CN" dirty="0" smtClean="0"/>
-          </a:p>
-          <a:p>
-            <a:pPr marL="285750" indent="-285750">
-              <a:buFont typeface="Arial" panose="020B0604020202020204" pitchFamily="34" charset="0"/>
-              <a:buChar char="•"/>
-            </a:pPr>
-            <a:endParaRPr lang="en-US" altLang="zh-CN" dirty="0"/>
-          </a:p>
-          <a:p>
-            <a:pPr marL="285750" indent="-285750">
-              <a:buFont typeface="Arial" panose="020B0604020202020204" pitchFamily="34" charset="0"/>
-              <a:buChar char="•"/>
-            </a:pPr>
-            <a:r>
-              <a:rPr lang="en-US" altLang="zh-CN" dirty="0" smtClean="0"/>
-              <a:t>TCAM</a:t>
-            </a:r>
-            <a:r>
-              <a:rPr lang="zh-CN" altLang="en-US" dirty="0" smtClean="0"/>
-              <a:t>只返回匹配项的最小的</a:t>
-            </a:r>
-            <a:r>
-              <a:rPr lang="en-US" altLang="zh-CN" dirty="0" smtClean="0"/>
-              <a:t>index</a:t>
-            </a:r>
-          </a:p>
-          <a:p>
-            <a:pPr marL="285750" indent="-285750">
-              <a:buFont typeface="Arial" panose="020B0604020202020204" pitchFamily="34" charset="0"/>
-              <a:buChar char="•"/>
-            </a:pPr>
-            <a:endParaRPr lang="en-US" altLang="zh-CN" dirty="0"/>
-          </a:p>
-          <a:p>
-            <a:pPr marL="285750" indent="-285750">
-              <a:buFont typeface="Arial" panose="020B0604020202020204" pitchFamily="34" charset="0"/>
-              <a:buChar char="•"/>
-            </a:pPr>
-            <a:r>
-              <a:rPr lang="zh-CN" altLang="en-US" dirty="0" smtClean="0"/>
-              <a:t>高优先级的表项</a:t>
-            </a:r>
-            <a:r>
-              <a:rPr lang="en-US" altLang="zh-CN" dirty="0" smtClean="0"/>
-              <a:t>index</a:t>
-            </a:r>
-            <a:r>
-              <a:rPr lang="zh-CN" altLang="en-US" dirty="0" smtClean="0"/>
-              <a:t>会更小</a:t>
-            </a:r>
-            <a:endParaRPr lang="en-US" altLang="zh-CN" dirty="0" smtClean="0"/>
-          </a:p>
-          <a:p>
-            <a:pPr marL="285750" indent="-285750">
-              <a:buFont typeface="Arial" panose="020B0604020202020204" pitchFamily="34" charset="0"/>
-              <a:buChar char="•"/>
-            </a:pPr>
-            <a:endParaRPr lang="en-US" altLang="zh-CN" dirty="0"/>
-          </a:p>
-          <a:p>
-            <a:pPr marL="285750" indent="-285750">
-              <a:buFont typeface="Arial" panose="020B0604020202020204" pitchFamily="34" charset="0"/>
-              <a:buChar char="•"/>
-            </a:pPr>
-            <a:r>
-              <a:rPr lang="zh-CN" altLang="en-US" dirty="0" smtClean="0"/>
-              <a:t>更新时可能会出现优先级翻转的问题</a:t>
+            <a:r>
+              <a:rPr lang="zh-CN" altLang="en-US" dirty="0" smtClean="0"/>
+              <a:t>       在插入一条新的规则时，按照普通的更新策略需要顺序更新，但是如果清楚并管理规则之间的依赖关系，更新次数就会大幅减少。文章使用有向无环图来表示这种依赖关系。</a:t>
             </a:r>
             <a:endParaRPr lang="zh-CN" altLang="en-US" dirty="0"/>
           </a:p>
         </p:txBody>
       </p:sp>
-      <p:pic>
-        <p:nvPicPr>
-          <p:cNvPr id="7" name="图片 6"/>
-          <p:cNvPicPr>
-            <a:picLocks noChangeAspect="1"/>
-          </p:cNvPicPr>
-          <p:nvPr/>
-        </p:nvPicPr>
-        <p:blipFill>
-          <a:blip r:embed="rId4"/>
-          <a:stretch>
-            <a:fillRect/>
-          </a:stretch>
-        </p:blipFill>
-        <p:spPr>
-          <a:xfrm>
-            <a:off x="1117012" y="3979117"/>
-            <a:ext cx="3668052" cy="2276333"/>
-          </a:xfrm>
-          <a:prstGeom prst="rect">
-            <a:avLst/>
-          </a:prstGeom>
-        </p:spPr>
-      </p:pic>
     </p:spTree>
     <p:extLst>
       <p:ext uri="{BB962C8B-B14F-4D97-AF65-F5344CB8AC3E}">
-        <p14:creationId xmlns:p14="http://schemas.microsoft.com/office/powerpoint/2010/main" val="4014432174"/>
+        <p14:creationId xmlns:p14="http://schemas.microsoft.com/office/powerpoint/2010/main" val="3402314346"/>
       </p:ext>
     </p:extLst>
   </p:cSld>
@@ -7410,12 +7267,8 @@
           <a:lstStyle/>
           <a:p>
             <a:r>
-              <a:rPr lang="en-US" altLang="zh-CN" dirty="0" err="1" smtClean="0"/>
-              <a:t>FastUp</a:t>
-            </a:r>
-            <a:r>
-              <a:rPr lang="zh-CN" altLang="en-US" dirty="0" smtClean="0"/>
-              <a:t>算法设计</a:t>
+              <a:rPr lang="zh-CN" altLang="en-US" dirty="0" smtClean="0"/>
+              <a:t>算法架构</a:t>
             </a:r>
             <a:endParaRPr lang="zh-CN" altLang="en-US" dirty="0"/>
           </a:p>
@@ -7444,39 +7297,9 @@
           </a:p>
         </p:txBody>
       </p:sp>
-      <p:sp>
-        <p:nvSpPr>
-          <p:cNvPr id="4" name="文本框 3"/>
-          <p:cNvSpPr txBox="1"/>
-          <p:nvPr/>
-        </p:nvSpPr>
-        <p:spPr>
-          <a:xfrm>
-            <a:off x="781235" y="1031575"/>
-            <a:ext cx="8956298" cy="369332"/>
-          </a:xfrm>
-          <a:prstGeom prst="rect">
-            <a:avLst/>
-          </a:prstGeom>
-          <a:noFill/>
-        </p:spPr>
-        <p:txBody>
-          <a:bodyPr wrap="none" rtlCol="0">
-            <a:spAutoFit/>
-          </a:bodyPr>
-          <a:lstStyle/>
-          <a:p>
-            <a:r>
-              <a:rPr lang="zh-CN" altLang="en-US" dirty="0" smtClean="0"/>
-              <a:t>第一步：查询新规则可以插入的范围，如果不存在说明出现规则翻转，则需要进行调整</a:t>
-            </a:r>
-            <a:endParaRPr lang="zh-CN" altLang="en-US" dirty="0"/>
-          </a:p>
-        </p:txBody>
-      </p:sp>
       <p:pic>
         <p:nvPicPr>
-          <p:cNvPr id="5" name="图片 4"/>
+          <p:cNvPr id="4" name="图片 3"/>
           <p:cNvPicPr>
             <a:picLocks noChangeAspect="1"/>
           </p:cNvPicPr>
@@ -7490,8 +7313,8 @@
         </p:blipFill>
         <p:spPr>
           <a:xfrm>
-            <a:off x="674703" y="1400907"/>
-            <a:ext cx="5486400" cy="4884708"/>
+            <a:off x="6230683" y="844867"/>
+            <a:ext cx="4416325" cy="5373053"/>
           </a:xfrm>
           <a:prstGeom prst="rect">
             <a:avLst/>
@@ -7500,14 +7323,14 @@
       </p:pic>
       <p:sp>
         <p:nvSpPr>
-          <p:cNvPr id="6" name="文本框 5"/>
+          <p:cNvPr id="5" name="文本框 4"/>
           <p:cNvSpPr txBox="1"/>
           <p:nvPr/>
         </p:nvSpPr>
         <p:spPr>
           <a:xfrm>
-            <a:off x="6081204" y="1925546"/>
-            <a:ext cx="4793942" cy="3724096"/>
+            <a:off x="658368" y="1823233"/>
+            <a:ext cx="5038344" cy="3693319"/>
           </a:xfrm>
           <a:prstGeom prst="rect">
             <a:avLst/>
@@ -7520,243 +7343,112 @@
           </a:bodyPr>
           <a:lstStyle/>
           <a:p>
+            <a:r>
+              <a:rPr lang="zh-CN" altLang="en-US" dirty="0" smtClean="0"/>
+              <a:t>算法分为三个阶段：</a:t>
+            </a:r>
+            <a:endParaRPr lang="en-US" altLang="zh-CN" dirty="0" smtClean="0"/>
+          </a:p>
+          <a:p>
+            <a:endParaRPr lang="en-US" altLang="zh-CN" dirty="0" smtClean="0"/>
+          </a:p>
+          <a:p>
+            <a:endParaRPr lang="en-US" altLang="zh-CN" dirty="0" smtClean="0"/>
+          </a:p>
+          <a:p>
             <a:pPr marL="342900" indent="-342900">
               <a:buAutoNum type="arabicPeriod"/>
             </a:pPr>
             <a:r>
               <a:rPr lang="zh-CN" altLang="en-US" dirty="0" smtClean="0"/>
-              <a:t>找到下方的一个空格，判断这个空格上面有多少规则优先级低于新插入的规则，记这个数量为</a:t>
+              <a:t>将流表项的插入请求转换为</a:t>
             </a:r>
             <a:r>
               <a:rPr lang="en-US" altLang="zh-CN" dirty="0" smtClean="0"/>
-              <a:t>|</a:t>
-            </a:r>
-            <a:r>
-              <a:rPr lang="en-US" altLang="zh-CN" dirty="0" err="1" smtClean="0"/>
-              <a:t>S</a:t>
-            </a:r>
-            <a:r>
-              <a:rPr lang="en-US" altLang="zh-CN" sz="1000" dirty="0" err="1" smtClean="0"/>
-              <a:t>down</a:t>
-            </a:r>
-            <a:r>
-              <a:rPr lang="en-US" altLang="zh-CN" dirty="0" smtClean="0"/>
-              <a:t>|</a:t>
-            </a:r>
+              <a:t>DAG</a:t>
+            </a:r>
+            <a:r>
+              <a:rPr lang="zh-CN" altLang="en-US" dirty="0" smtClean="0"/>
+              <a:t>结点插入请求</a:t>
+            </a:r>
+            <a:endParaRPr lang="en-US" altLang="zh-CN" dirty="0" smtClean="0"/>
           </a:p>
           <a:p>
             <a:pPr marL="342900" indent="-342900">
               <a:buAutoNum type="arabicPeriod"/>
             </a:pPr>
-            <a:endParaRPr lang="en-US" altLang="zh-CN" dirty="0" smtClean="0"/>
+            <a:endParaRPr lang="en-US" altLang="zh-CN" dirty="0"/>
           </a:p>
           <a:p>
             <a:pPr marL="342900" indent="-342900">
-              <a:buFontTx/>
               <a:buAutoNum type="arabicPeriod"/>
             </a:pPr>
             <a:r>
               <a:rPr lang="zh-CN" altLang="en-US" dirty="0" smtClean="0"/>
-              <a:t>找到上方一个控制，判断这个空格下面有多少规则优先级高于新插入的规则，记这个数量为</a:t>
-            </a:r>
-            <a:r>
-              <a:rPr lang="en-US" altLang="zh-CN" dirty="0"/>
-              <a:t>|</a:t>
+              <a:t>基于</a:t>
             </a:r>
             <a:r>
               <a:rPr lang="en-US" altLang="zh-CN" dirty="0" smtClean="0"/>
-              <a:t>S</a:t>
-            </a:r>
-            <a:r>
-              <a:rPr lang="en-US" altLang="zh-CN" sz="1050" dirty="0" smtClean="0"/>
-              <a:t>up</a:t>
+              <a:t>DAG</a:t>
+            </a:r>
+            <a:r>
+              <a:rPr lang="zh-CN" altLang="en-US" dirty="0" smtClean="0"/>
+              <a:t>建立一条</a:t>
             </a:r>
             <a:r>
               <a:rPr lang="en-US" altLang="zh-CN" dirty="0" smtClean="0"/>
-              <a:t>|</a:t>
-            </a:r>
+              <a:t>TCAM</a:t>
+            </a:r>
+            <a:r>
+              <a:rPr lang="zh-CN" altLang="en-US" dirty="0" smtClean="0"/>
+              <a:t>条目的移动序列（这条移动序列的起点为新插入规则，终点是空的条目），即选取一个候选者，用待插入项替换候选者，候选者成为插入项</a:t>
+            </a:r>
+            <a:endParaRPr lang="en-US" altLang="zh-CN" dirty="0" smtClean="0"/>
           </a:p>
           <a:p>
             <a:pPr marL="342900" indent="-342900">
-              <a:buFontTx/>
               <a:buAutoNum type="arabicPeriod"/>
             </a:pPr>
             <a:endParaRPr lang="en-US" altLang="zh-CN" dirty="0"/>
           </a:p>
           <a:p>
             <a:pPr marL="342900" indent="-342900">
-              <a:buFontTx/>
               <a:buAutoNum type="arabicPeriod"/>
             </a:pPr>
             <a:r>
               <a:rPr lang="zh-CN" altLang="en-US" dirty="0" smtClean="0"/>
-              <a:t>比较</a:t>
-            </a:r>
-            <a:r>
-              <a:rPr lang="en-US" altLang="zh-CN" dirty="0">
-                <a:solidFill>
-                  <a:prstClr val="black"/>
-                </a:solidFill>
-              </a:rPr>
-              <a:t>|</a:t>
-            </a:r>
-            <a:r>
-              <a:rPr lang="en-US" altLang="zh-CN" dirty="0" err="1" smtClean="0">
-                <a:solidFill>
-                  <a:prstClr val="black"/>
-                </a:solidFill>
-              </a:rPr>
-              <a:t>S</a:t>
-            </a:r>
-            <a:r>
-              <a:rPr lang="en-US" altLang="zh-CN" sz="1000" dirty="0" err="1" smtClean="0">
-                <a:solidFill>
-                  <a:prstClr val="black"/>
-                </a:solidFill>
-              </a:rPr>
-              <a:t>down</a:t>
-            </a:r>
-            <a:r>
-              <a:rPr lang="en-US" altLang="zh-CN" dirty="0" smtClean="0">
-                <a:solidFill>
-                  <a:prstClr val="black"/>
-                </a:solidFill>
-              </a:rPr>
-              <a:t>|</a:t>
-            </a:r>
-            <a:r>
-              <a:rPr lang="zh-CN" altLang="en-US" dirty="0" smtClean="0">
-                <a:solidFill>
-                  <a:prstClr val="black"/>
-                </a:solidFill>
-              </a:rPr>
-              <a:t>与</a:t>
-            </a:r>
-            <a:r>
-              <a:rPr lang="en-US" altLang="zh-CN" dirty="0">
-                <a:solidFill>
-                  <a:prstClr val="black"/>
-                </a:solidFill>
-              </a:rPr>
-              <a:t>|S</a:t>
-            </a:r>
-            <a:r>
-              <a:rPr lang="en-US" altLang="zh-CN" sz="1050" dirty="0">
-                <a:solidFill>
-                  <a:prstClr val="black"/>
-                </a:solidFill>
-              </a:rPr>
-              <a:t>up</a:t>
-            </a:r>
-            <a:r>
-              <a:rPr lang="en-US" altLang="zh-CN" dirty="0" smtClean="0">
-                <a:solidFill>
-                  <a:prstClr val="black"/>
-                </a:solidFill>
-              </a:rPr>
-              <a:t>|</a:t>
-            </a:r>
-            <a:r>
-              <a:rPr lang="zh-CN" altLang="en-US" dirty="0" smtClean="0">
-                <a:solidFill>
-                  <a:prstClr val="black"/>
-                </a:solidFill>
-              </a:rPr>
-              <a:t>，如果</a:t>
-            </a:r>
-            <a:r>
-              <a:rPr lang="en-US" altLang="zh-CN" dirty="0"/>
-              <a:t>|</a:t>
+              <a:t>通过</a:t>
             </a:r>
             <a:r>
               <a:rPr lang="en-US" altLang="zh-CN" dirty="0" smtClean="0"/>
-              <a:t>S</a:t>
-            </a:r>
-            <a:r>
-              <a:rPr lang="en-US" altLang="zh-CN" sz="1050" dirty="0" smtClean="0"/>
-              <a:t>up</a:t>
+              <a:t>TCAM API</a:t>
+            </a:r>
+            <a:r>
+              <a:rPr lang="zh-CN" altLang="en-US" dirty="0" smtClean="0"/>
+              <a:t>将更新序列应用到</a:t>
             </a:r>
             <a:r>
               <a:rPr lang="en-US" altLang="zh-CN" dirty="0" smtClean="0"/>
-              <a:t>|</a:t>
-            </a:r>
-            <a:r>
-              <a:rPr lang="zh-CN" altLang="en-US" dirty="0" smtClean="0"/>
-              <a:t>更小，则移动</a:t>
-            </a:r>
-            <a:r>
-              <a:rPr lang="en-US" altLang="zh-CN" dirty="0" smtClean="0"/>
-              <a:t>S</a:t>
-            </a:r>
-            <a:r>
-              <a:rPr lang="en-US" altLang="zh-CN" sz="1050" dirty="0" smtClean="0"/>
-              <a:t>up</a:t>
-            </a:r>
-            <a:r>
-              <a:rPr lang="zh-CN" altLang="en-US" dirty="0" smtClean="0"/>
-              <a:t>，否则移动</a:t>
-            </a:r>
-            <a:r>
-              <a:rPr lang="en-US" altLang="zh-CN" dirty="0" err="1" smtClean="0">
-                <a:solidFill>
-                  <a:prstClr val="black"/>
-                </a:solidFill>
-              </a:rPr>
-              <a:t>S</a:t>
-            </a:r>
-            <a:r>
-              <a:rPr lang="en-US" altLang="zh-CN" sz="1000" dirty="0" err="1" smtClean="0">
-                <a:solidFill>
-                  <a:prstClr val="black"/>
-                </a:solidFill>
-              </a:rPr>
-              <a:t>down</a:t>
-            </a:r>
-            <a:endParaRPr lang="en-US" altLang="zh-CN" sz="1000" dirty="0" smtClean="0">
-              <a:solidFill>
-                <a:prstClr val="black"/>
-              </a:solidFill>
-            </a:endParaRPr>
-          </a:p>
-          <a:p>
-            <a:pPr marL="342900" indent="-342900">
-              <a:buFontTx/>
+              <a:t>TCAM</a:t>
+            </a:r>
+            <a:r>
+              <a:rPr lang="zh-CN" altLang="en-US" dirty="0" smtClean="0"/>
+              <a:t>中</a:t>
+            </a:r>
+            <a:endParaRPr lang="en-US" altLang="zh-CN" dirty="0" smtClean="0"/>
+          </a:p>
+          <a:p>
+            <a:pPr marL="800089" lvl="1" indent="-342900">
               <a:buAutoNum type="arabicPeriod"/>
             </a:pPr>
-            <a:endParaRPr lang="en-US" altLang="zh-CN" sz="1000" dirty="0" smtClean="0">
-              <a:solidFill>
-                <a:prstClr val="black"/>
-              </a:solidFill>
-            </a:endParaRPr>
-          </a:p>
-          <a:p>
-            <a:pPr marL="342900" indent="-342900">
-              <a:buFontTx/>
-              <a:buAutoNum type="arabicPeriod"/>
-            </a:pPr>
-            <a:endParaRPr lang="en-US" altLang="zh-CN" sz="1000" dirty="0" smtClean="0">
-              <a:solidFill>
-                <a:prstClr val="black"/>
-              </a:solidFill>
-            </a:endParaRPr>
-          </a:p>
-          <a:p>
-            <a:pPr marL="342900" indent="-342900">
-              <a:buFontTx/>
-              <a:buAutoNum type="arabicPeriod"/>
-            </a:pPr>
-            <a:r>
-              <a:rPr lang="zh-CN" altLang="en-US" dirty="0" smtClean="0"/>
-              <a:t>重复这个过程，直到找到一个可以插入的范围。</a:t>
-            </a:r>
-            <a:endParaRPr lang="en-US" altLang="zh-CN" dirty="0"/>
+            <a:endParaRPr lang="zh-CN" altLang="en-US" dirty="0"/>
           </a:p>
         </p:txBody>
       </p:sp>
     </p:spTree>
     <p:extLst>
       <p:ext uri="{BB962C8B-B14F-4D97-AF65-F5344CB8AC3E}">
-        <p14:creationId xmlns:p14="http://schemas.microsoft.com/office/powerpoint/2010/main" val="1322414209"/>
+        <p14:creationId xmlns:p14="http://schemas.microsoft.com/office/powerpoint/2010/main" val="3835349764"/>
       </p:ext>
     </p:extLst>
   </p:cSld>
@@ -7799,15 +7491,9 @@
           <a:lstStyle/>
           <a:p>
             <a:r>
-              <a:rPr lang="en-US" altLang="zh-CN" dirty="0" err="1"/>
-              <a:t>FastUp</a:t>
-            </a:r>
-            <a:r>
-              <a:rPr lang="zh-CN" altLang="en-US" dirty="0"/>
-              <a:t>算法设计</a:t>
-            </a:r>
-          </a:p>
-          <a:p>
+              <a:rPr lang="zh-CN" altLang="en-US" dirty="0" smtClean="0"/>
+              <a:t>贪心算法</a:t>
+            </a:r>
             <a:endParaRPr lang="zh-CN" altLang="en-US" dirty="0"/>
           </a:p>
         </p:txBody>
@@ -7829,44 +7515,7 @@
           <a:p>
             <a:r>
               <a:rPr lang="en-US" altLang="zh-CN" dirty="0" smtClean="0"/>
-              <a:t>02</a:t>
-            </a:r>
-            <a:endParaRPr lang="zh-CN" altLang="en-US" dirty="0"/>
-          </a:p>
-        </p:txBody>
-      </p:sp>
-      <p:sp>
-        <p:nvSpPr>
-          <p:cNvPr id="4" name="矩形 3"/>
-          <p:cNvSpPr/>
-          <p:nvPr/>
-        </p:nvSpPr>
-        <p:spPr>
-          <a:xfrm>
-            <a:off x="775315" y="1028460"/>
-            <a:ext cx="9078897" cy="369332"/>
-          </a:xfrm>
-          <a:prstGeom prst="rect">
-            <a:avLst/>
-          </a:prstGeom>
-        </p:spPr>
-        <p:txBody>
-          <a:bodyPr wrap="square">
-            <a:spAutoFit/>
-          </a:bodyPr>
-          <a:lstStyle/>
-          <a:p>
-            <a:r>
-              <a:rPr lang="zh-CN" altLang="en-US" dirty="0" smtClean="0"/>
-              <a:t>第二步：计算</a:t>
-            </a:r>
-            <a:r>
-              <a:rPr lang="en-US" altLang="zh-CN" dirty="0" smtClean="0"/>
-              <a:t>cost</a:t>
-            </a:r>
-            <a:r>
-              <a:rPr lang="zh-CN" altLang="en-US" dirty="0" smtClean="0"/>
-              <a:t>，寻找恰当的插入位置</a:t>
+              <a:t>03</a:t>
             </a:r>
             <a:endParaRPr lang="zh-CN" altLang="en-US" dirty="0"/>
           </a:p>
@@ -7874,7 +7523,7 @@
       </p:sp>
       <p:pic>
         <p:nvPicPr>
-          <p:cNvPr id="6" name="图片 5"/>
+          <p:cNvPr id="4" name="图片 3"/>
           <p:cNvPicPr>
             <a:picLocks noChangeAspect="1"/>
           </p:cNvPicPr>
@@ -7888,8 +7537,8 @@
         </p:blipFill>
         <p:spPr>
           <a:xfrm>
-            <a:off x="5653272" y="1587987"/>
-            <a:ext cx="5619646" cy="4076654"/>
+            <a:off x="6143949" y="1027822"/>
+            <a:ext cx="5064796" cy="5248692"/>
           </a:xfrm>
           <a:prstGeom prst="rect">
             <a:avLst/>
@@ -7898,14 +7547,14 @@
       </p:pic>
       <p:sp>
         <p:nvSpPr>
-          <p:cNvPr id="7" name="文本框 6"/>
+          <p:cNvPr id="5" name="文本框 4"/>
           <p:cNvSpPr txBox="1"/>
           <p:nvPr/>
         </p:nvSpPr>
         <p:spPr>
           <a:xfrm>
-            <a:off x="775315" y="1919316"/>
-            <a:ext cx="4447713" cy="646331"/>
+            <a:off x="781235" y="1677880"/>
+            <a:ext cx="4616388" cy="3693319"/>
           </a:xfrm>
           <a:prstGeom prst="rect">
             <a:avLst/>
@@ -7924,105 +7573,54 @@
             </a:pPr>
             <a:r>
               <a:rPr lang="zh-CN" altLang="en-US" dirty="0" smtClean="0"/>
-              <a:t>每个元素的</a:t>
+              <a:t>什么是</a:t>
             </a:r>
             <a:r>
               <a:rPr lang="en-US" altLang="zh-CN" dirty="0" smtClean="0"/>
-              <a:t>cost</a:t>
-            </a:r>
-            <a:r>
-              <a:rPr lang="zh-CN" altLang="en-US" dirty="0" smtClean="0"/>
-              <a:t>值是指移动到下一个空位需要移动多少次</a:t>
-            </a:r>
-            <a:endParaRPr lang="zh-CN" altLang="en-US" dirty="0"/>
-          </a:p>
-        </p:txBody>
-      </p:sp>
-      <p:pic>
-        <p:nvPicPr>
-          <p:cNvPr id="9" name="图片 8"/>
-          <p:cNvPicPr>
-            <a:picLocks noChangeAspect="1"/>
-          </p:cNvPicPr>
-          <p:nvPr/>
-        </p:nvPicPr>
-        <p:blipFill>
-          <a:blip r:embed="rId3"/>
-          <a:stretch>
-            <a:fillRect/>
-          </a:stretch>
-        </p:blipFill>
-        <p:spPr>
-          <a:xfrm>
-            <a:off x="1678864" y="2565647"/>
-            <a:ext cx="2640613" cy="962257"/>
-          </a:xfrm>
-          <a:prstGeom prst="rect">
-            <a:avLst/>
-          </a:prstGeom>
-        </p:spPr>
-      </p:pic>
-      <p:sp>
-        <p:nvSpPr>
-          <p:cNvPr id="10" name="矩形 9"/>
-          <p:cNvSpPr/>
-          <p:nvPr/>
-        </p:nvSpPr>
-        <p:spPr>
-          <a:xfrm>
-            <a:off x="775315" y="3626314"/>
-            <a:ext cx="4345325" cy="369332"/>
-          </a:xfrm>
-          <a:prstGeom prst="rect">
-            <a:avLst/>
-          </a:prstGeom>
-        </p:spPr>
-        <p:txBody>
-          <a:bodyPr wrap="square">
-            <a:spAutoFit/>
-          </a:bodyPr>
-          <a:lstStyle/>
+              <a:t>M(k)</a:t>
+            </a:r>
+          </a:p>
+          <a:p>
+            <a:pPr marL="742939" lvl="1" indent="-285750">
+              <a:buFont typeface="Arial" panose="020B0604020202020204" pitchFamily="34" charset="0"/>
+              <a:buChar char="•"/>
+            </a:pPr>
+            <a:r>
+              <a:rPr lang="en-US" altLang="zh-CN" dirty="0" smtClean="0"/>
+              <a:t>M(k)</a:t>
+            </a:r>
+            <a:r>
+              <a:rPr lang="zh-CN" altLang="en-US" dirty="0" smtClean="0"/>
+              <a:t>是指从</a:t>
+            </a:r>
+            <a:r>
+              <a:rPr lang="en-US" altLang="zh-CN" dirty="0" smtClean="0"/>
+              <a:t>k</a:t>
+            </a:r>
+            <a:r>
+              <a:rPr lang="zh-CN" altLang="en-US" dirty="0" smtClean="0"/>
+              <a:t>结点出发，到出度为</a:t>
+            </a:r>
+            <a:r>
+              <a:rPr lang="en-US" altLang="zh-CN" dirty="0" smtClean="0"/>
+              <a:t>0</a:t>
+            </a:r>
+            <a:r>
+              <a:rPr lang="zh-CN" altLang="en-US" dirty="0" smtClean="0"/>
+              <a:t>的结点的最短路径长度</a:t>
+            </a:r>
+            <a:endParaRPr lang="en-US" altLang="zh-CN" dirty="0" smtClean="0"/>
+          </a:p>
+          <a:p>
+            <a:endParaRPr lang="en-US" altLang="zh-CN" dirty="0"/>
+          </a:p>
           <a:p>
             <a:pPr marL="285750" indent="-285750">
               <a:buFont typeface="Arial" panose="020B0604020202020204" pitchFamily="34" charset="0"/>
               <a:buChar char="•"/>
             </a:pPr>
-            <a:r>
-              <a:rPr lang="zh-CN" altLang="en-US" dirty="0" smtClean="0"/>
-              <a:t>可以使用动态规划计算</a:t>
-            </a:r>
-            <a:r>
-              <a:rPr lang="en-US" altLang="zh-CN" dirty="0" smtClean="0"/>
-              <a:t>cost</a:t>
-            </a:r>
-            <a:r>
-              <a:rPr lang="zh-CN" altLang="en-US" dirty="0" smtClean="0"/>
-              <a:t>值</a:t>
-            </a:r>
-            <a:endParaRPr lang="zh-CN" altLang="en-US" dirty="0"/>
-          </a:p>
-        </p:txBody>
-      </p:sp>
-      <p:sp>
-        <p:nvSpPr>
-          <p:cNvPr id="11" name="矩形 10"/>
-          <p:cNvSpPr/>
-          <p:nvPr/>
-        </p:nvSpPr>
-        <p:spPr>
-          <a:xfrm>
-            <a:off x="775315" y="4292391"/>
-            <a:ext cx="4281941" cy="369332"/>
-          </a:xfrm>
-          <a:prstGeom prst="rect">
-            <a:avLst/>
-          </a:prstGeom>
-        </p:spPr>
-        <p:txBody>
-          <a:bodyPr wrap="none">
-            <a:spAutoFit/>
-          </a:bodyPr>
-          <a:lstStyle/>
+            <a:endParaRPr lang="en-US" altLang="zh-CN" dirty="0" smtClean="0"/>
+          </a:p>
           <a:p>
             <a:pPr marL="285750" indent="-285750">
               <a:buFont typeface="Arial" panose="020B0604020202020204" pitchFamily="34" charset="0"/>
@@ -8030,65 +7628,76 @@
             </a:pPr>
             <a:r>
               <a:rPr lang="zh-CN" altLang="en-US" dirty="0" smtClean="0"/>
-              <a:t>引入辅助结构</a:t>
-            </a:r>
-            <a:r>
-              <a:rPr lang="en-US" altLang="zh-CN" dirty="0" smtClean="0"/>
-              <a:t>S</a:t>
-            </a:r>
-            <a:r>
-              <a:rPr lang="zh-CN" altLang="en-US" dirty="0" smtClean="0"/>
-              <a:t>，记录需要关注的规则</a:t>
-            </a:r>
-            <a:endParaRPr lang="zh-CN" altLang="en-US" dirty="0"/>
-          </a:p>
-        </p:txBody>
-      </p:sp>
-      <p:sp>
-        <p:nvSpPr>
-          <p:cNvPr id="12" name="矩形 11"/>
-          <p:cNvSpPr/>
-          <p:nvPr/>
-        </p:nvSpPr>
-        <p:spPr>
-          <a:xfrm>
-            <a:off x="775315" y="5056313"/>
-            <a:ext cx="2666114" cy="369332"/>
-          </a:xfrm>
-          <a:prstGeom prst="rect">
-            <a:avLst/>
-          </a:prstGeom>
-        </p:spPr>
-        <p:txBody>
-          <a:bodyPr wrap="none">
-            <a:spAutoFit/>
-          </a:bodyPr>
-          <a:lstStyle/>
-          <a:p>
-            <a:pPr marL="285750" indent="-285750">
+              <a:t>算法过程</a:t>
+            </a:r>
+            <a:endParaRPr lang="en-US" altLang="zh-CN" dirty="0" smtClean="0"/>
+          </a:p>
+          <a:p>
+            <a:pPr marL="742939" lvl="1" indent="-285750">
               <a:buFont typeface="Arial" panose="020B0604020202020204" pitchFamily="34" charset="0"/>
               <a:buChar char="•"/>
             </a:pPr>
             <a:r>
               <a:rPr lang="zh-CN" altLang="en-US" dirty="0" smtClean="0"/>
-              <a:t>利用</a:t>
+              <a:t>找到插入规则</a:t>
             </a:r>
             <a:r>
               <a:rPr lang="en-US" altLang="zh-CN" dirty="0" smtClean="0"/>
-              <a:t>S</a:t>
-            </a:r>
-            <a:r>
-              <a:rPr lang="zh-CN" altLang="en-US" dirty="0" smtClean="0"/>
-              <a:t>降低算法复杂度</a:t>
-            </a:r>
-            <a:endParaRPr lang="zh-CN" altLang="en-US" dirty="0"/>
+              <a:t>f</a:t>
+            </a:r>
+            <a:r>
+              <a:rPr lang="zh-CN" altLang="en-US" dirty="0" smtClean="0"/>
+              <a:t>的前后依赖，确定插入范围</a:t>
+            </a:r>
+            <a:endParaRPr lang="en-US" altLang="zh-CN" dirty="0" smtClean="0"/>
+          </a:p>
+          <a:p>
+            <a:pPr marL="742939" lvl="1" indent="-285750">
+              <a:buFont typeface="Arial" panose="020B0604020202020204" pitchFamily="34" charset="0"/>
+              <a:buChar char="•"/>
+            </a:pPr>
+            <a:r>
+              <a:rPr lang="zh-CN" altLang="en-US" dirty="0" smtClean="0"/>
+              <a:t>在范围内计算每个规则的</a:t>
+            </a:r>
+            <a:r>
+              <a:rPr lang="en-US" altLang="zh-CN" dirty="0" smtClean="0"/>
+              <a:t>M(k)</a:t>
+            </a:r>
+            <a:r>
+              <a:rPr lang="zh-CN" altLang="en-US" dirty="0" smtClean="0"/>
+              <a:t>，选取最小的一条规则</a:t>
+            </a:r>
+            <a:endParaRPr lang="en-US" altLang="zh-CN" dirty="0" smtClean="0"/>
+          </a:p>
+          <a:p>
+            <a:pPr marL="742939" lvl="1" indent="-285750">
+              <a:buFont typeface="Arial" panose="020B0604020202020204" pitchFamily="34" charset="0"/>
+              <a:buChar char="•"/>
+            </a:pPr>
+            <a:r>
+              <a:rPr lang="zh-CN" altLang="en-US" dirty="0" smtClean="0"/>
+              <a:t>用待插入的规则替换这条规则，使得这条规则成为待插入规则</a:t>
+            </a:r>
+            <a:endParaRPr lang="en-US" altLang="zh-CN" dirty="0" smtClean="0"/>
+          </a:p>
+          <a:p>
+            <a:pPr marL="742939" lvl="1" indent="-285750">
+              <a:buFont typeface="Arial" panose="020B0604020202020204" pitchFamily="34" charset="0"/>
+              <a:buChar char="•"/>
+            </a:pPr>
+            <a:r>
+              <a:rPr lang="zh-CN" altLang="en-US" dirty="0" smtClean="0"/>
+              <a:t>循环这个过程直到插入空的条目项中</a:t>
+            </a:r>
+            <a:endParaRPr lang="en-US" altLang="zh-CN" dirty="0"/>
           </a:p>
         </p:txBody>
       </p:sp>
     </p:spTree>
     <p:extLst>
       <p:ext uri="{BB962C8B-B14F-4D97-AF65-F5344CB8AC3E}">
-        <p14:creationId xmlns:p14="http://schemas.microsoft.com/office/powerpoint/2010/main" val="175426008"/>
+        <p14:creationId xmlns:p14="http://schemas.microsoft.com/office/powerpoint/2010/main" val="2014627964"/>
       </p:ext>
     </p:extLst>
   </p:cSld>
@@ -8131,12 +7740,8 @@
           <a:lstStyle/>
           <a:p>
             <a:r>
-              <a:rPr lang="en-US" altLang="zh-CN" dirty="0" err="1" smtClean="0"/>
-              <a:t>FastUp</a:t>
-            </a:r>
-            <a:r>
-              <a:rPr lang="zh-CN" altLang="en-US" dirty="0" smtClean="0"/>
-              <a:t>算法设计</a:t>
+              <a:rPr lang="zh-CN" altLang="en-US" dirty="0" smtClean="0"/>
+              <a:t>贪心算法</a:t>
             </a:r>
             <a:endParaRPr lang="zh-CN" altLang="en-US" dirty="0"/>
           </a:p>
@@ -8159,36 +7764,7 @@
           <a:p>
             <a:r>
               <a:rPr lang="en-US" altLang="zh-CN" dirty="0" smtClean="0"/>
-              <a:t>02</a:t>
-            </a:r>
-            <a:endParaRPr lang="zh-CN" altLang="en-US" dirty="0"/>
-          </a:p>
-        </p:txBody>
-      </p:sp>
-      <p:sp>
-        <p:nvSpPr>
-          <p:cNvPr id="4" name="矩形 3"/>
-          <p:cNvSpPr/>
-          <p:nvPr/>
-        </p:nvSpPr>
-        <p:spPr>
-          <a:xfrm>
-            <a:off x="623208" y="1060427"/>
-            <a:ext cx="2492990" cy="369332"/>
-          </a:xfrm>
-          <a:prstGeom prst="rect">
-            <a:avLst/>
-          </a:prstGeom>
-        </p:spPr>
-        <p:txBody>
-          <a:bodyPr wrap="none">
-            <a:spAutoFit/>
-          </a:bodyPr>
-          <a:lstStyle/>
-          <a:p>
-            <a:r>
-              <a:rPr lang="zh-CN" altLang="en-US" dirty="0" smtClean="0"/>
-              <a:t>第三步：执行移动操作</a:t>
+              <a:t>03</a:t>
             </a:r>
             <a:endParaRPr lang="zh-CN" altLang="en-US" dirty="0"/>
           </a:p>
@@ -8196,7 +7772,7 @@
       </p:sp>
       <p:pic>
         <p:nvPicPr>
-          <p:cNvPr id="5" name="图片 4"/>
+          <p:cNvPr id="4" name="图片 3"/>
           <p:cNvPicPr>
             <a:picLocks noChangeAspect="1"/>
           </p:cNvPicPr>
@@ -8210,18 +7786,64 @@
         </p:blipFill>
         <p:spPr>
           <a:xfrm>
-            <a:off x="2644388" y="1580678"/>
-            <a:ext cx="6757063" cy="4504709"/>
+            <a:off x="524302" y="1791763"/>
+            <a:ext cx="10473895" cy="4175078"/>
           </a:xfrm>
           <a:prstGeom prst="rect">
             <a:avLst/>
           </a:prstGeom>
         </p:spPr>
       </p:pic>
+      <p:sp>
+        <p:nvSpPr>
+          <p:cNvPr id="5" name="文本框 4"/>
+          <p:cNvSpPr txBox="1"/>
+          <p:nvPr/>
+        </p:nvSpPr>
+        <p:spPr>
+          <a:xfrm>
+            <a:off x="781236" y="1363550"/>
+            <a:ext cx="3669594" cy="369332"/>
+          </a:xfrm>
+          <a:prstGeom prst="rect">
+            <a:avLst/>
+          </a:prstGeom>
+          <a:noFill/>
+        </p:spPr>
+        <p:txBody>
+          <a:bodyPr wrap="none" rtlCol="0">
+            <a:spAutoFit/>
+          </a:bodyPr>
+          <a:lstStyle/>
+          <a:p>
+            <a:r>
+              <a:rPr lang="zh-CN" altLang="en-US" dirty="0" smtClean="0"/>
+              <a:t>已知</a:t>
+            </a:r>
+            <a:r>
+              <a:rPr lang="en-US" altLang="zh-CN" dirty="0" smtClean="0"/>
+              <a:t>6-&gt;9-&gt;5</a:t>
+            </a:r>
+            <a:r>
+              <a:rPr lang="zh-CN" altLang="en-US" dirty="0" smtClean="0"/>
+              <a:t>，插入</a:t>
+            </a:r>
+            <a:r>
+              <a:rPr lang="en-US" altLang="zh-CN" dirty="0" smtClean="0"/>
+              <a:t>9</a:t>
+            </a:r>
+            <a:r>
+              <a:rPr lang="zh-CN" altLang="en-US" dirty="0" smtClean="0"/>
+              <a:t>的一个示例：</a:t>
+            </a:r>
+            <a:endParaRPr lang="zh-CN" altLang="en-US" dirty="0"/>
+          </a:p>
+        </p:txBody>
+      </p:sp>
     </p:spTree>
     <p:extLst>
       <p:ext uri="{BB962C8B-B14F-4D97-AF65-F5344CB8AC3E}">
-        <p14:creationId xmlns:p14="http://schemas.microsoft.com/office/powerpoint/2010/main" val="998435729"/>
+        <p14:creationId xmlns:p14="http://schemas.microsoft.com/office/powerpoint/2010/main" val="370804752"/>
       </p:ext>
     </p:extLst>
   </p:cSld>
@@ -8265,7 +7887,7 @@
           <a:p>
             <a:r>
               <a:rPr lang="zh-CN" altLang="en-US" dirty="0" smtClean="0"/>
-              <a:t>实验结果</a:t>
+              <a:t>算法优化</a:t>
             </a:r>
             <a:endParaRPr lang="zh-CN" altLang="en-US" dirty="0"/>
           </a:p>
@@ -8288,7 +7910,7 @@
           <a:p>
             <a:r>
               <a:rPr lang="en-US" altLang="zh-CN" dirty="0" smtClean="0"/>
-              <a:t>03</a:t>
+              <a:t>04</a:t>
             </a:r>
             <a:endParaRPr lang="zh-CN" altLang="en-US" dirty="0"/>
           </a:p>
@@ -8296,7 +7918,7 @@
       </p:sp>
       <p:pic>
         <p:nvPicPr>
-          <p:cNvPr id="4" name="图片 3"/>
+          <p:cNvPr id="5" name="图片 4"/>
           <p:cNvPicPr>
             <a:picLocks noChangeAspect="1"/>
           </p:cNvPicPr>
@@ -8310,18 +7932,183 @@
         </p:blipFill>
         <p:spPr>
           <a:xfrm>
-            <a:off x="1190247" y="994065"/>
-            <a:ext cx="9587245" cy="4768817"/>
+            <a:off x="7886422" y="1605239"/>
+            <a:ext cx="3219450" cy="4162425"/>
           </a:xfrm>
           <a:prstGeom prst="rect">
             <a:avLst/>
           </a:prstGeom>
         </p:spPr>
       </p:pic>
+      <p:pic>
+        <p:nvPicPr>
+          <p:cNvPr id="6" name="图片 5"/>
+          <p:cNvPicPr>
+            <a:picLocks noChangeAspect="1"/>
+          </p:cNvPicPr>
+          <p:nvPr/>
+        </p:nvPicPr>
+        <p:blipFill>
+          <a:blip r:embed="rId3"/>
+          <a:stretch>
+            <a:fillRect/>
+          </a:stretch>
+        </p:blipFill>
+        <p:spPr>
+          <a:xfrm>
+            <a:off x="5135177" y="1605239"/>
+            <a:ext cx="2668295" cy="4153939"/>
+          </a:xfrm>
+          <a:prstGeom prst="rect">
+            <a:avLst/>
+          </a:prstGeom>
+        </p:spPr>
+      </p:pic>
+      <p:sp>
+        <p:nvSpPr>
+          <p:cNvPr id="7" name="文本框 6"/>
+          <p:cNvSpPr txBox="1"/>
+          <p:nvPr/>
+        </p:nvSpPr>
+        <p:spPr>
+          <a:xfrm>
+            <a:off x="780591" y="1837678"/>
+            <a:ext cx="4031295" cy="3970318"/>
+          </a:xfrm>
+          <a:prstGeom prst="rect">
+            <a:avLst/>
+          </a:prstGeom>
+          <a:noFill/>
+        </p:spPr>
+        <p:txBody>
+          <a:bodyPr wrap="square" rtlCol="0">
+            <a:spAutoFit/>
+          </a:bodyPr>
+          <a:lstStyle/>
+          <a:p>
+            <a:r>
+              <a:rPr lang="zh-CN" altLang="en-US" dirty="0" smtClean="0"/>
+              <a:t>使用数组来存储</a:t>
+            </a:r>
+            <a:r>
+              <a:rPr lang="en-US" altLang="zh-CN" dirty="0" smtClean="0"/>
+              <a:t>M(k)</a:t>
+            </a:r>
+            <a:r>
+              <a:rPr lang="zh-CN" altLang="en-US" dirty="0" smtClean="0"/>
+              <a:t>：</a:t>
+            </a:r>
+            <a:endParaRPr lang="en-US" altLang="zh-CN" dirty="0" smtClean="0"/>
+          </a:p>
+          <a:p>
+            <a:endParaRPr lang="en-US" altLang="zh-CN" dirty="0"/>
+          </a:p>
+          <a:p>
+            <a:endParaRPr lang="en-US" altLang="zh-CN" dirty="0" smtClean="0"/>
+          </a:p>
+          <a:p>
+            <a:pPr marL="285750" indent="-285750">
+              <a:buFont typeface="Arial" panose="020B0604020202020204" pitchFamily="34" charset="0"/>
+              <a:buChar char="•"/>
+            </a:pPr>
+            <a:r>
+              <a:rPr lang="zh-CN" altLang="en-US" dirty="0" smtClean="0"/>
+              <a:t>查找最小的</a:t>
+            </a:r>
+            <a:r>
+              <a:rPr lang="en-US" altLang="zh-CN" dirty="0" smtClean="0"/>
+              <a:t>M(k)</a:t>
+            </a:r>
+            <a:r>
+              <a:rPr lang="zh-CN" altLang="en-US" dirty="0" smtClean="0"/>
+              <a:t>这一过程复杂度减少为</a:t>
+            </a:r>
+            <a:r>
+              <a:rPr lang="en-US" altLang="zh-CN" dirty="0" smtClean="0"/>
+              <a:t>O(n)</a:t>
+            </a:r>
+          </a:p>
+          <a:p>
+            <a:pPr marL="285750" indent="-285750">
+              <a:buFont typeface="Arial" panose="020B0604020202020204" pitchFamily="34" charset="0"/>
+              <a:buChar char="•"/>
+            </a:pPr>
+            <a:endParaRPr lang="en-US" altLang="zh-CN" dirty="0" smtClean="0"/>
+          </a:p>
+          <a:p>
+            <a:pPr marL="285750" indent="-285750">
+              <a:buFont typeface="Arial" panose="020B0604020202020204" pitchFamily="34" charset="0"/>
+              <a:buChar char="•"/>
+            </a:pPr>
+            <a:endParaRPr lang="en-US" altLang="zh-CN" dirty="0"/>
+          </a:p>
+          <a:p>
+            <a:pPr marL="285750" indent="-285750">
+              <a:buFont typeface="Arial" panose="020B0604020202020204" pitchFamily="34" charset="0"/>
+              <a:buChar char="•"/>
+            </a:pPr>
+            <a:r>
+              <a:rPr lang="zh-CN" altLang="en-US" dirty="0" smtClean="0"/>
+              <a:t>需要更新数组：</a:t>
+            </a:r>
+            <a:endParaRPr lang="en-US" altLang="zh-CN" dirty="0" smtClean="0"/>
+          </a:p>
+          <a:p>
+            <a:pPr marL="285750" indent="-285750">
+              <a:buFont typeface="Arial" panose="020B0604020202020204" pitchFamily="34" charset="0"/>
+              <a:buChar char="•"/>
+            </a:pPr>
+            <a:endParaRPr lang="en-US" altLang="zh-CN" dirty="0"/>
+          </a:p>
+          <a:p>
+            <a:pPr marL="742939" lvl="1" indent="-285750">
+              <a:buFont typeface="Arial" panose="020B0604020202020204" pitchFamily="34" charset="0"/>
+              <a:buChar char="•"/>
+            </a:pPr>
+            <a:r>
+              <a:rPr lang="zh-CN" altLang="en-US" dirty="0" smtClean="0"/>
+              <a:t>更新移动序列的条目的</a:t>
+            </a:r>
+            <a:r>
+              <a:rPr lang="en-US" altLang="zh-CN" dirty="0" smtClean="0"/>
+              <a:t>M(k)</a:t>
+            </a:r>
+          </a:p>
+          <a:p>
+            <a:pPr marL="742939" lvl="1" indent="-285750">
+              <a:buFont typeface="Arial" panose="020B0604020202020204" pitchFamily="34" charset="0"/>
+              <a:buChar char="•"/>
+            </a:pPr>
+            <a:endParaRPr lang="en-US" altLang="zh-CN" dirty="0"/>
+          </a:p>
+          <a:p>
+            <a:pPr marL="742939" lvl="1" indent="-285750">
+              <a:buFont typeface="Arial" panose="020B0604020202020204" pitchFamily="34" charset="0"/>
+              <a:buChar char="•"/>
+            </a:pPr>
+            <a:r>
+              <a:rPr lang="zh-CN" altLang="en-US" dirty="0" smtClean="0"/>
+              <a:t>更新与更新点直接依赖和间接依赖的所有条目的</a:t>
+            </a:r>
+            <a:r>
+              <a:rPr lang="en-US" altLang="zh-CN" dirty="0" smtClean="0"/>
+              <a:t>M(k)</a:t>
+            </a:r>
+            <a:endParaRPr lang="en-US" altLang="zh-CN" dirty="0"/>
+          </a:p>
+          <a:p>
+            <a:pPr marL="285750" indent="-285750">
+              <a:buFont typeface="Arial" panose="020B0604020202020204" pitchFamily="34" charset="0"/>
+              <a:buChar char="•"/>
+            </a:pPr>
+            <a:endParaRPr lang="zh-CN" altLang="en-US" dirty="0"/>
+          </a:p>
+        </p:txBody>
+      </p:sp>
     </p:spTree>
     <p:extLst>
       <p:ext uri="{BB962C8B-B14F-4D97-AF65-F5344CB8AC3E}">
-        <p14:creationId xmlns:p14="http://schemas.microsoft.com/office/powerpoint/2010/main" val="1390620528"/>
+        <p14:creationId xmlns:p14="http://schemas.microsoft.com/office/powerpoint/2010/main" val="1159922870"/>
       </p:ext>
     </p:extLst>
   </p:cSld>
@@ -8331,7 +8118,7 @@
 </p:sld>
 </file>
 
-<file path=ppt/slides/slide2.xml><?xml version="1.0" encoding="utf-8"?>
+<file path=ppt/slides/slide17.xml><?xml version="1.0" encoding="utf-8"?>
 <p:sld xmlns:a="http://schemas.openxmlformats.org/drawingml/2006/main" xmlns:r="http://schemas.openxmlformats.org/officeDocument/2006/relationships" xmlns:p="http://schemas.openxmlformats.org/presentationml/2006/main">
   <p:cSld>
     <p:spTree>
@@ -8365,7 +8152,7 @@
           <a:p>
             <a:r>
               <a:rPr lang="zh-CN" altLang="en-US" dirty="0" smtClean="0"/>
-              <a:t>背景介绍</a:t>
+              <a:t>算法优化</a:t>
             </a:r>
             <a:endParaRPr lang="zh-CN" altLang="en-US" dirty="0"/>
           </a:p>
@@ -8388,21 +8175,425 @@
           <a:p>
             <a:r>
               <a:rPr lang="en-US" altLang="zh-CN" dirty="0" smtClean="0"/>
-              <a:t>00</a:t>
+              <a:t>04</a:t>
             </a:r>
             <a:endParaRPr lang="zh-CN" altLang="en-US" dirty="0"/>
+          </a:p>
+        </p:txBody>
+      </p:sp>
+      <p:pic>
+        <p:nvPicPr>
+          <p:cNvPr id="4" name="图片 3"/>
+          <p:cNvPicPr>
+            <a:picLocks noChangeAspect="1"/>
+          </p:cNvPicPr>
+          <p:nvPr/>
+        </p:nvPicPr>
+        <p:blipFill>
+          <a:blip r:embed="rId2"/>
+          <a:stretch>
+            <a:fillRect/>
+          </a:stretch>
+        </p:blipFill>
+        <p:spPr>
+          <a:xfrm>
+            <a:off x="709138" y="1430239"/>
+            <a:ext cx="5161303" cy="3676095"/>
+          </a:xfrm>
+          <a:prstGeom prst="rect">
+            <a:avLst/>
+          </a:prstGeom>
+        </p:spPr>
+      </p:pic>
+      <p:sp>
+        <p:nvSpPr>
+          <p:cNvPr id="6" name="文本框 5"/>
+          <p:cNvSpPr txBox="1"/>
+          <p:nvPr/>
+        </p:nvSpPr>
+        <p:spPr>
+          <a:xfrm>
+            <a:off x="3289789" y="994263"/>
+            <a:ext cx="4605748" cy="369332"/>
+          </a:xfrm>
+          <a:prstGeom prst="rect">
+            <a:avLst/>
+          </a:prstGeom>
+          <a:noFill/>
+        </p:spPr>
+        <p:txBody>
+          <a:bodyPr wrap="none" rtlCol="0">
+            <a:spAutoFit/>
+          </a:bodyPr>
+          <a:lstStyle/>
+          <a:p>
+            <a:r>
+              <a:rPr lang="zh-CN" altLang="en-US" dirty="0" smtClean="0"/>
+              <a:t>使用二分索引树来查询和更新存储的</a:t>
+            </a:r>
+            <a:r>
+              <a:rPr lang="en-US" altLang="zh-CN" dirty="0" smtClean="0"/>
+              <a:t>M(k)</a:t>
+            </a:r>
+            <a:r>
+              <a:rPr lang="zh-CN" altLang="en-US" dirty="0" smtClean="0"/>
+              <a:t>值</a:t>
+            </a:r>
+            <a:endParaRPr lang="zh-CN" altLang="en-US" dirty="0"/>
+          </a:p>
+        </p:txBody>
+      </p:sp>
+      <p:sp>
+        <p:nvSpPr>
+          <p:cNvPr id="7" name="文本框 6"/>
+          <p:cNvSpPr txBox="1"/>
+          <p:nvPr/>
+        </p:nvSpPr>
+        <p:spPr>
+          <a:xfrm>
+            <a:off x="6175031" y="5172977"/>
+            <a:ext cx="4172505" cy="646331"/>
+          </a:xfrm>
+          <a:prstGeom prst="rect">
+            <a:avLst/>
+          </a:prstGeom>
+          <a:noFill/>
+        </p:spPr>
+        <p:txBody>
+          <a:bodyPr wrap="square" rtlCol="0">
+            <a:spAutoFit/>
+          </a:bodyPr>
+          <a:lstStyle/>
+          <a:p>
+            <a:r>
+              <a:rPr lang="zh-CN" altLang="en-US" dirty="0" smtClean="0"/>
+              <a:t>更新：在更新完数组之后需要更新对应的索引</a:t>
+            </a:r>
+            <a:endParaRPr lang="zh-CN" altLang="en-US" dirty="0"/>
+          </a:p>
+        </p:txBody>
+      </p:sp>
+      <p:pic>
+        <p:nvPicPr>
+          <p:cNvPr id="8" name="图片 7"/>
+          <p:cNvPicPr>
+            <a:picLocks noChangeAspect="1"/>
+          </p:cNvPicPr>
+          <p:nvPr/>
+        </p:nvPicPr>
+        <p:blipFill>
+          <a:blip r:embed="rId3"/>
+          <a:stretch>
+            <a:fillRect/>
+          </a:stretch>
+        </p:blipFill>
+        <p:spPr>
+          <a:xfrm>
+            <a:off x="5870441" y="1710161"/>
+            <a:ext cx="4544858" cy="3116250"/>
+          </a:xfrm>
+          <a:prstGeom prst="rect">
+            <a:avLst/>
+          </a:prstGeom>
+        </p:spPr>
+      </p:pic>
+      <p:sp>
+        <p:nvSpPr>
+          <p:cNvPr id="9" name="文本框 8"/>
+          <p:cNvSpPr txBox="1"/>
+          <p:nvPr/>
+        </p:nvSpPr>
+        <p:spPr>
+          <a:xfrm>
+            <a:off x="1203536" y="5172978"/>
+            <a:ext cx="4172505" cy="923330"/>
+          </a:xfrm>
+          <a:prstGeom prst="rect">
+            <a:avLst/>
+          </a:prstGeom>
+          <a:noFill/>
+        </p:spPr>
+        <p:txBody>
+          <a:bodyPr wrap="square" rtlCol="0">
+            <a:spAutoFit/>
+          </a:bodyPr>
+          <a:lstStyle/>
+          <a:p>
+            <a:r>
+              <a:rPr lang="zh-CN" altLang="en-US" dirty="0" smtClean="0"/>
+              <a:t>查询：例如查询</a:t>
+            </a:r>
+            <a:r>
+              <a:rPr lang="en-US" altLang="zh-CN" dirty="0" smtClean="0"/>
+              <a:t>1-6</a:t>
+            </a:r>
+            <a:r>
+              <a:rPr lang="zh-CN" altLang="en-US" dirty="0" smtClean="0"/>
+              <a:t>之间的最小值，只需要查询</a:t>
+            </a:r>
+            <a:r>
+              <a:rPr lang="en-US" altLang="zh-CN" dirty="0" smtClean="0"/>
+              <a:t>1-4</a:t>
+            </a:r>
+            <a:r>
+              <a:rPr lang="zh-CN" altLang="en-US" dirty="0" smtClean="0"/>
+              <a:t>和</a:t>
+            </a:r>
+            <a:r>
+              <a:rPr lang="en-US" altLang="zh-CN" dirty="0" smtClean="0"/>
+              <a:t>4-6</a:t>
+            </a:r>
+            <a:r>
+              <a:rPr lang="zh-CN" altLang="en-US" dirty="0" smtClean="0"/>
+              <a:t>，就是比较</a:t>
+            </a:r>
+            <a:r>
+              <a:rPr lang="en-US" altLang="zh-CN" dirty="0" smtClean="0"/>
+              <a:t>B[4]</a:t>
+            </a:r>
+            <a:r>
+              <a:rPr lang="zh-CN" altLang="en-US" dirty="0" smtClean="0"/>
+              <a:t>和</a:t>
+            </a:r>
+            <a:r>
+              <a:rPr lang="en-US" altLang="zh-CN" dirty="0" smtClean="0"/>
+              <a:t>B[6]</a:t>
+            </a:r>
+            <a:r>
+              <a:rPr lang="zh-CN" altLang="en-US" dirty="0" smtClean="0"/>
+              <a:t>，一次比较就能查到。</a:t>
+            </a:r>
+            <a:endParaRPr lang="zh-CN" altLang="en-US" dirty="0"/>
+          </a:p>
+        </p:txBody>
+      </p:sp>
+    </p:spTree>
+    <p:extLst>
+      <p:ext uri="{BB962C8B-B14F-4D97-AF65-F5344CB8AC3E}">
+        <p14:creationId xmlns:p14="http://schemas.microsoft.com/office/powerpoint/2010/main" val="2930965434"/>
+      </p:ext>
+    </p:extLst>
+  </p:cSld>
+  <p:clrMapOvr>
+    <a:masterClrMapping/>
+  </p:clrMapOvr>
+</p:sld>
+</file>
+
+<file path=ppt/slides/slide18.xml><?xml version="1.0" encoding="utf-8"?>
+<p:sld xmlns:a="http://schemas.openxmlformats.org/drawingml/2006/main" xmlns:r="http://schemas.openxmlformats.org/officeDocument/2006/relationships" xmlns:p="http://schemas.openxmlformats.org/presentationml/2006/main">
+  <p:cSld>
+    <p:spTree>
+      <p:nvGrpSpPr>
+        <p:cNvPr id="1" name=""/>
+        <p:cNvGrpSpPr/>
+        <p:nvPr/>
+      </p:nvGrpSpPr>
+      <p:grpSpPr>
+        <a:xfrm>
+          <a:off x="0" y="0"/>
+          <a:ext cx="0" cy="0"/>
+          <a:chOff x="0" y="0"/>
+          <a:chExt cx="0" cy="0"/>
+        </a:xfrm>
+      </p:grpSpPr>
+      <p:sp>
+        <p:nvSpPr>
+          <p:cNvPr id="2" name="文本占位符 1"/>
+          <p:cNvSpPr>
+            <a:spLocks noGrp="1"/>
+          </p:cNvSpPr>
+          <p:nvPr>
+            <p:ph type="body" sz="quarter" idx="10"/>
+          </p:nvPr>
+        </p:nvSpPr>
+        <p:spPr/>
+        <p:txBody>
+          <a:bodyPr/>
+          <a:lstStyle/>
+          <a:p>
+            <a:r>
+              <a:rPr lang="zh-CN" altLang="en-US" dirty="0" smtClean="0"/>
+              <a:t>实验结果</a:t>
+            </a:r>
+            <a:endParaRPr lang="zh-CN" altLang="en-US" dirty="0"/>
+          </a:p>
+        </p:txBody>
+      </p:sp>
+      <p:sp>
+        <p:nvSpPr>
+          <p:cNvPr id="3" name="文本占位符 2"/>
+          <p:cNvSpPr>
+            <a:spLocks noGrp="1"/>
+          </p:cNvSpPr>
+          <p:nvPr>
+            <p:ph type="body" sz="quarter" idx="11"/>
+          </p:nvPr>
+        </p:nvSpPr>
+        <p:spPr/>
+        <p:txBody>
+          <a:bodyPr/>
+          <a:lstStyle/>
+          <a:p>
+            <a:r>
+              <a:rPr lang="en-US" altLang="zh-CN" dirty="0" smtClean="0"/>
+              <a:t>05</a:t>
+            </a:r>
+            <a:endParaRPr lang="zh-CN" altLang="en-US" dirty="0"/>
+          </a:p>
+        </p:txBody>
+      </p:sp>
+      <p:sp>
+        <p:nvSpPr>
+          <p:cNvPr id="4" name="文本框 3"/>
+          <p:cNvSpPr txBox="1"/>
+          <p:nvPr/>
+        </p:nvSpPr>
+        <p:spPr>
+          <a:xfrm>
+            <a:off x="735770" y="1012054"/>
+            <a:ext cx="7112845" cy="369332"/>
+          </a:xfrm>
+          <a:prstGeom prst="rect">
+            <a:avLst/>
+          </a:prstGeom>
+          <a:noFill/>
+        </p:spPr>
+        <p:txBody>
+          <a:bodyPr wrap="none" rtlCol="0">
+            <a:spAutoFit/>
+          </a:bodyPr>
+          <a:lstStyle/>
+          <a:p>
+            <a:r>
+              <a:rPr lang="zh-CN" altLang="en-US" dirty="0" smtClean="0"/>
+              <a:t>硬件：</a:t>
+            </a:r>
+            <a:r>
+              <a:rPr lang="en-US" altLang="zh-CN" dirty="0" err="1" smtClean="0"/>
+              <a:t>ONetSwitch</a:t>
+            </a:r>
+            <a:r>
+              <a:rPr lang="zh-CN" altLang="en-US" dirty="0" smtClean="0"/>
+              <a:t>， 数据集：权限控制、防火墙、路由表共同组成</a:t>
+            </a:r>
+            <a:endParaRPr lang="zh-CN" altLang="en-US" dirty="0"/>
+          </a:p>
+        </p:txBody>
+      </p:sp>
+      <p:pic>
+        <p:nvPicPr>
+          <p:cNvPr id="5" name="图片 4"/>
+          <p:cNvPicPr>
+            <a:picLocks noChangeAspect="1"/>
+          </p:cNvPicPr>
+          <p:nvPr/>
+        </p:nvPicPr>
+        <p:blipFill>
+          <a:blip r:embed="rId2"/>
+          <a:stretch>
+            <a:fillRect/>
+          </a:stretch>
+        </p:blipFill>
+        <p:spPr>
+          <a:xfrm>
+            <a:off x="1411224" y="1493901"/>
+            <a:ext cx="9181514" cy="4577715"/>
+          </a:xfrm>
+          <a:prstGeom prst="rect">
+            <a:avLst/>
+          </a:prstGeom>
+        </p:spPr>
+      </p:pic>
+    </p:spTree>
+    <p:extLst>
+      <p:ext uri="{BB962C8B-B14F-4D97-AF65-F5344CB8AC3E}">
+        <p14:creationId xmlns:p14="http://schemas.microsoft.com/office/powerpoint/2010/main" val="124192937"/>
+      </p:ext>
+    </p:extLst>
+  </p:cSld>
+  <p:clrMapOvr>
+    <a:masterClrMapping/>
+  </p:clrMapOvr>
+</p:sld>
+</file>
+
+<file path=ppt/slides/slide19.xml><?xml version="1.0" encoding="utf-8"?>
+<p:sld xmlns:a="http://schemas.openxmlformats.org/drawingml/2006/main" xmlns:r="http://schemas.openxmlformats.org/officeDocument/2006/relationships" xmlns:p="http://schemas.openxmlformats.org/presentationml/2006/main">
+  <p:cSld>
+    <p:spTree>
+      <p:nvGrpSpPr>
+        <p:cNvPr id="1" name=""/>
+        <p:cNvGrpSpPr/>
+        <p:nvPr/>
+      </p:nvGrpSpPr>
+      <p:grpSpPr>
+        <a:xfrm>
+          <a:off x="0" y="0"/>
+          <a:ext cx="0" cy="0"/>
+          <a:chOff x="0" y="0"/>
+          <a:chExt cx="0" cy="0"/>
+        </a:xfrm>
+      </p:grpSpPr>
+      <p:sp>
+        <p:nvSpPr>
+          <p:cNvPr id="2" name="文本占位符 1"/>
+          <p:cNvSpPr>
+            <a:spLocks noGrp="1"/>
+          </p:cNvSpPr>
+          <p:nvPr>
+            <p:ph type="body" sz="quarter" idx="10"/>
+          </p:nvPr>
+        </p:nvSpPr>
+        <p:spPr/>
+        <p:txBody>
+          <a:bodyPr/>
+          <a:lstStyle/>
+          <a:p>
+            <a:r>
+              <a:rPr kumimoji="1" lang="en-US" altLang="zh-CN" dirty="0" err="1" smtClean="0"/>
+              <a:t>FastUp</a:t>
+            </a:r>
+            <a:r>
+              <a:rPr kumimoji="1" lang="zh-CN" altLang="en-US" dirty="0" smtClean="0"/>
+              <a:t>流表更新算法</a:t>
+            </a:r>
+            <a:endParaRPr kumimoji="1" lang="zh-CN" altLang="en-US" dirty="0"/>
+          </a:p>
+        </p:txBody>
+      </p:sp>
+      <p:sp>
+        <p:nvSpPr>
+          <p:cNvPr id="3" name="文本占位符 2"/>
+          <p:cNvSpPr>
+            <a:spLocks noGrp="1"/>
+          </p:cNvSpPr>
+          <p:nvPr>
+            <p:ph type="body" sz="quarter" idx="11"/>
+          </p:nvPr>
+        </p:nvSpPr>
+        <p:spPr/>
+        <p:txBody>
+          <a:bodyPr/>
+          <a:lstStyle/>
+          <a:p>
+            <a:r>
+              <a:rPr kumimoji="1" lang="en-US" altLang="zh-CN" dirty="0" smtClean="0"/>
+              <a:t>9</a:t>
+            </a:r>
+            <a:endParaRPr kumimoji="1" lang="zh-CN" altLang="en-US" dirty="0"/>
           </a:p>
         </p:txBody>
       </p:sp>
       <p:grpSp>
         <p:nvGrpSpPr>
-          <p:cNvPr id="4" name="组 15"/>
+          <p:cNvPr id="7" name="组 6"/>
           <p:cNvGrpSpPr/>
           <p:nvPr/>
         </p:nvGrpSpPr>
         <p:grpSpPr>
           <a:xfrm>
-            <a:off x="806707" y="1149637"/>
+            <a:off x="504867" y="1475928"/>
             <a:ext cx="462708" cy="462706"/>
             <a:chOff x="5905041" y="2016087"/>
             <a:chExt cx="2060154" cy="2060154"/>
@@ -8513,6 +8704,688 @@
           </p:txBody>
         </p:sp>
       </p:grpSp>
+      <p:grpSp>
+        <p:nvGrpSpPr>
+          <p:cNvPr id="11" name="组 10"/>
+          <p:cNvGrpSpPr/>
+          <p:nvPr/>
+        </p:nvGrpSpPr>
+        <p:grpSpPr>
+          <a:xfrm>
+            <a:off x="504867" y="3089332"/>
+            <a:ext cx="462708" cy="462706"/>
+            <a:chOff x="5905041" y="2016087"/>
+            <a:chExt cx="2060154" cy="2060154"/>
+          </a:xfrm>
+        </p:grpSpPr>
+        <p:sp>
+          <p:nvSpPr>
+            <p:cNvPr id="13" name="同心圆 12"/>
+            <p:cNvSpPr/>
+            <p:nvPr/>
+          </p:nvSpPr>
+          <p:spPr>
+            <a:xfrm>
+              <a:off x="5905041" y="2016087"/>
+              <a:ext cx="2060154" cy="2060154"/>
+            </a:xfrm>
+            <a:prstGeom prst="donut">
+              <a:avLst>
+                <a:gd name="adj" fmla="val 4667"/>
+              </a:avLst>
+            </a:prstGeom>
+            <a:ln>
+              <a:noFill/>
+            </a:ln>
+          </p:spPr>
+          <p:style>
+            <a:lnRef idx="2">
+              <a:schemeClr val="accent1">
+                <a:shade val="50000"/>
+              </a:schemeClr>
+            </a:lnRef>
+            <a:fillRef idx="1">
+              <a:schemeClr val="accent1"/>
+            </a:fillRef>
+            <a:effectRef idx="0">
+              <a:schemeClr val="accent1"/>
+            </a:effectRef>
+            <a:fontRef idx="minor">
+              <a:schemeClr val="lt1"/>
+            </a:fontRef>
+          </p:style>
+          <p:txBody>
+            <a:bodyPr rtlCol="0" anchor="ctr"/>
+            <a:lstStyle/>
+            <a:p>
+              <a:pPr algn="ctr"/>
+              <a:endParaRPr kumimoji="1" lang="zh-CN" altLang="en-US">
+                <a:solidFill>
+                  <a:schemeClr val="tx1"/>
+                </a:solidFill>
+              </a:endParaRPr>
+            </a:p>
+          </p:txBody>
+        </p:sp>
+        <p:sp>
+          <p:nvSpPr>
+            <p:cNvPr id="14" name="L 形 13"/>
+            <p:cNvSpPr/>
+            <p:nvPr/>
+          </p:nvSpPr>
+          <p:spPr>
+            <a:xfrm rot="18900000">
+              <a:off x="6318173" y="2553833"/>
+              <a:ext cx="1233889" cy="661011"/>
+            </a:xfrm>
+            <a:prstGeom prst="corner">
+              <a:avLst>
+                <a:gd name="adj1" fmla="val 16222"/>
+                <a:gd name="adj2" fmla="val 14924"/>
+              </a:avLst>
+            </a:prstGeom>
+            <a:ln>
+              <a:noFill/>
+            </a:ln>
+          </p:spPr>
+          <p:style>
+            <a:lnRef idx="2">
+              <a:schemeClr val="accent1">
+                <a:shade val="50000"/>
+              </a:schemeClr>
+            </a:lnRef>
+            <a:fillRef idx="1">
+              <a:schemeClr val="accent1"/>
+            </a:fillRef>
+            <a:effectRef idx="0">
+              <a:schemeClr val="accent1"/>
+            </a:effectRef>
+            <a:fontRef idx="minor">
+              <a:schemeClr val="lt1"/>
+            </a:fontRef>
+          </p:style>
+          <p:txBody>
+            <a:bodyPr rot="0" spcFirstLastPara="0" vertOverflow="overflow" horzOverflow="overflow" vert="horz" wrap="square" lIns="91440" tIns="45720" rIns="91440" bIns="45720" numCol="1" spcCol="0" rtlCol="0" fromWordArt="0" anchor="ctr" anchorCtr="0" forceAA="0" compatLnSpc="1">
+              <a:prstTxWarp prst="textNoShape">
+                <a:avLst/>
+              </a:prstTxWarp>
+              <a:noAutofit/>
+            </a:bodyPr>
+            <a:lstStyle/>
+            <a:p>
+              <a:pPr algn="ctr"/>
+              <a:endParaRPr kumimoji="1" lang="zh-CN" altLang="en-US">
+                <a:solidFill>
+                  <a:schemeClr val="tx1"/>
+                </a:solidFill>
+              </a:endParaRPr>
+            </a:p>
+          </p:txBody>
+        </p:sp>
+      </p:grpSp>
+      <p:grpSp>
+        <p:nvGrpSpPr>
+          <p:cNvPr id="16" name="组 15"/>
+          <p:cNvGrpSpPr/>
+          <p:nvPr/>
+        </p:nvGrpSpPr>
+        <p:grpSpPr>
+          <a:xfrm>
+            <a:off x="504867" y="4727338"/>
+            <a:ext cx="462708" cy="462706"/>
+            <a:chOff x="5905041" y="2016087"/>
+            <a:chExt cx="2060154" cy="2060154"/>
+          </a:xfrm>
+        </p:grpSpPr>
+        <p:sp>
+          <p:nvSpPr>
+            <p:cNvPr id="18" name="同心圆 17"/>
+            <p:cNvSpPr/>
+            <p:nvPr/>
+          </p:nvSpPr>
+          <p:spPr>
+            <a:xfrm>
+              <a:off x="5905041" y="2016087"/>
+              <a:ext cx="2060154" cy="2060154"/>
+            </a:xfrm>
+            <a:prstGeom prst="donut">
+              <a:avLst>
+                <a:gd name="adj" fmla="val 4667"/>
+              </a:avLst>
+            </a:prstGeom>
+            <a:ln>
+              <a:noFill/>
+            </a:ln>
+          </p:spPr>
+          <p:style>
+            <a:lnRef idx="2">
+              <a:schemeClr val="accent1">
+                <a:shade val="50000"/>
+              </a:schemeClr>
+            </a:lnRef>
+            <a:fillRef idx="1">
+              <a:schemeClr val="accent1"/>
+            </a:fillRef>
+            <a:effectRef idx="0">
+              <a:schemeClr val="accent1"/>
+            </a:effectRef>
+            <a:fontRef idx="minor">
+              <a:schemeClr val="lt1"/>
+            </a:fontRef>
+          </p:style>
+          <p:txBody>
+            <a:bodyPr rtlCol="0" anchor="ctr"/>
+            <a:lstStyle/>
+            <a:p>
+              <a:pPr algn="ctr"/>
+              <a:endParaRPr kumimoji="1" lang="zh-CN" altLang="en-US">
+                <a:solidFill>
+                  <a:schemeClr val="tx1"/>
+                </a:solidFill>
+              </a:endParaRPr>
+            </a:p>
+          </p:txBody>
+        </p:sp>
+        <p:sp>
+          <p:nvSpPr>
+            <p:cNvPr id="19" name="L 形 18"/>
+            <p:cNvSpPr/>
+            <p:nvPr/>
+          </p:nvSpPr>
+          <p:spPr>
+            <a:xfrm rot="18900000">
+              <a:off x="6318173" y="2553833"/>
+              <a:ext cx="1233889" cy="661011"/>
+            </a:xfrm>
+            <a:prstGeom prst="corner">
+              <a:avLst>
+                <a:gd name="adj1" fmla="val 16222"/>
+                <a:gd name="adj2" fmla="val 14924"/>
+              </a:avLst>
+            </a:prstGeom>
+            <a:ln>
+              <a:noFill/>
+            </a:ln>
+          </p:spPr>
+          <p:style>
+            <a:lnRef idx="2">
+              <a:schemeClr val="accent1">
+                <a:shade val="50000"/>
+              </a:schemeClr>
+            </a:lnRef>
+            <a:fillRef idx="1">
+              <a:schemeClr val="accent1"/>
+            </a:fillRef>
+            <a:effectRef idx="0">
+              <a:schemeClr val="accent1"/>
+            </a:effectRef>
+            <a:fontRef idx="minor">
+              <a:schemeClr val="lt1"/>
+            </a:fontRef>
+          </p:style>
+          <p:txBody>
+            <a:bodyPr rot="0" spcFirstLastPara="0" vertOverflow="overflow" horzOverflow="overflow" vert="horz" wrap="square" lIns="91440" tIns="45720" rIns="91440" bIns="45720" numCol="1" spcCol="0" rtlCol="0" fromWordArt="0" anchor="ctr" anchorCtr="0" forceAA="0" compatLnSpc="1">
+              <a:prstTxWarp prst="textNoShape">
+                <a:avLst/>
+              </a:prstTxWarp>
+              <a:noAutofit/>
+            </a:bodyPr>
+            <a:lstStyle/>
+            <a:p>
+              <a:pPr algn="ctr"/>
+              <a:endParaRPr kumimoji="1" lang="zh-CN" altLang="en-US">
+                <a:solidFill>
+                  <a:schemeClr val="tx1"/>
+                </a:solidFill>
+              </a:endParaRPr>
+            </a:p>
+          </p:txBody>
+        </p:sp>
+      </p:grpSp>
+      <p:sp>
+        <p:nvSpPr>
+          <p:cNvPr id="21" name="文本框 8"/>
+          <p:cNvSpPr txBox="1"/>
+          <p:nvPr/>
+        </p:nvSpPr>
+        <p:spPr>
+          <a:xfrm>
+            <a:off x="1189692" y="1361803"/>
+            <a:ext cx="10384332" cy="646331"/>
+          </a:xfrm>
+          <a:prstGeom prst="rect">
+            <a:avLst/>
+          </a:prstGeom>
+          <a:noFill/>
+        </p:spPr>
+        <p:txBody>
+          <a:bodyPr wrap="square" rtlCol="0">
+            <a:spAutoFit/>
+          </a:bodyPr>
+          <a:lstStyle>
+            <a:defPPr>
+              <a:defRPr lang="zh-CN"/>
+            </a:defPPr>
+            <a:lvl1pPr marL="0" algn="l" defTabSz="914400" rtl="0" eaLnBrk="1" latinLnBrk="0" hangingPunct="1">
+              <a:defRPr sz="1800" kern="1200">
+                <a:solidFill>
+                  <a:schemeClr val="tx1"/>
+                </a:solidFill>
+                <a:latin typeface="+mn-lt"/>
+                <a:ea typeface="+mn-ea"/>
+                <a:cs typeface="+mn-cs"/>
+              </a:defRPr>
+            </a:lvl1pPr>
+            <a:lvl2pPr marL="457200" algn="l" defTabSz="914400" rtl="0" eaLnBrk="1" latinLnBrk="0" hangingPunct="1">
+              <a:defRPr sz="1800" kern="1200">
+                <a:solidFill>
+                  <a:schemeClr val="tx1"/>
+                </a:solidFill>
+                <a:latin typeface="+mn-lt"/>
+                <a:ea typeface="+mn-ea"/>
+                <a:cs typeface="+mn-cs"/>
+              </a:defRPr>
+            </a:lvl2pPr>
+            <a:lvl3pPr marL="914400" algn="l" defTabSz="914400" rtl="0" eaLnBrk="1" latinLnBrk="0" hangingPunct="1">
+              <a:defRPr sz="1800" kern="1200">
+                <a:solidFill>
+                  <a:schemeClr val="tx1"/>
+                </a:solidFill>
+                <a:latin typeface="+mn-lt"/>
+                <a:ea typeface="+mn-ea"/>
+                <a:cs typeface="+mn-cs"/>
+              </a:defRPr>
+            </a:lvl3pPr>
+            <a:lvl4pPr marL="1371600" algn="l" defTabSz="914400" rtl="0" eaLnBrk="1" latinLnBrk="0" hangingPunct="1">
+              <a:defRPr sz="1800" kern="1200">
+                <a:solidFill>
+                  <a:schemeClr val="tx1"/>
+                </a:solidFill>
+                <a:latin typeface="+mn-lt"/>
+                <a:ea typeface="+mn-ea"/>
+                <a:cs typeface="+mn-cs"/>
+              </a:defRPr>
+            </a:lvl4pPr>
+            <a:lvl5pPr marL="1828800" algn="l" defTabSz="914400" rtl="0" eaLnBrk="1" latinLnBrk="0" hangingPunct="1">
+              <a:defRPr sz="1800" kern="1200">
+                <a:solidFill>
+                  <a:schemeClr val="tx1"/>
+                </a:solidFill>
+                <a:latin typeface="+mn-lt"/>
+                <a:ea typeface="+mn-ea"/>
+                <a:cs typeface="+mn-cs"/>
+              </a:defRPr>
+            </a:lvl5pPr>
+            <a:lvl6pPr marL="2286000" algn="l" defTabSz="914400" rtl="0" eaLnBrk="1" latinLnBrk="0" hangingPunct="1">
+              <a:defRPr sz="1800" kern="1200">
+                <a:solidFill>
+                  <a:schemeClr val="tx1"/>
+                </a:solidFill>
+                <a:latin typeface="+mn-lt"/>
+                <a:ea typeface="+mn-ea"/>
+                <a:cs typeface="+mn-cs"/>
+              </a:defRPr>
+            </a:lvl6pPr>
+            <a:lvl7pPr marL="2743200" algn="l" defTabSz="914400" rtl="0" eaLnBrk="1" latinLnBrk="0" hangingPunct="1">
+              <a:defRPr sz="1800" kern="1200">
+                <a:solidFill>
+                  <a:schemeClr val="tx1"/>
+                </a:solidFill>
+                <a:latin typeface="+mn-lt"/>
+                <a:ea typeface="+mn-ea"/>
+                <a:cs typeface="+mn-cs"/>
+              </a:defRPr>
+            </a:lvl7pPr>
+            <a:lvl8pPr marL="3200400" algn="l" defTabSz="914400" rtl="0" eaLnBrk="1" latinLnBrk="0" hangingPunct="1">
+              <a:defRPr sz="1800" kern="1200">
+                <a:solidFill>
+                  <a:schemeClr val="tx1"/>
+                </a:solidFill>
+                <a:latin typeface="+mn-lt"/>
+                <a:ea typeface="+mn-ea"/>
+                <a:cs typeface="+mn-cs"/>
+              </a:defRPr>
+            </a:lvl8pPr>
+            <a:lvl9pPr marL="3657600" algn="l" defTabSz="914400" rtl="0" eaLnBrk="1" latinLnBrk="0" hangingPunct="1">
+              <a:defRPr sz="1800" kern="1200">
+                <a:solidFill>
+                  <a:schemeClr val="tx1"/>
+                </a:solidFill>
+                <a:latin typeface="+mn-lt"/>
+                <a:ea typeface="+mn-ea"/>
+                <a:cs typeface="+mn-cs"/>
+              </a:defRPr>
+            </a:lvl9pPr>
+          </a:lstStyle>
+          <a:p>
+            <a:r>
+              <a:rPr lang="zh-CN" altLang="en-US" dirty="0" smtClean="0"/>
+              <a:t>标题：</a:t>
+            </a:r>
+            <a:endParaRPr lang="en-US" altLang="zh-CN" dirty="0" smtClean="0"/>
+          </a:p>
+          <a:p>
+            <a:r>
+              <a:rPr lang="en-US" altLang="zh-CN" dirty="0" err="1" smtClean="0"/>
+              <a:t>FastUp</a:t>
+            </a:r>
+            <a:r>
+              <a:rPr lang="en-US" altLang="zh-CN" dirty="0" smtClean="0"/>
+              <a:t>: Fast TCAM Flow Table Updates for SDN Switches</a:t>
+            </a:r>
+          </a:p>
+        </p:txBody>
+      </p:sp>
+      <p:sp>
+        <p:nvSpPr>
+          <p:cNvPr id="9" name="矩形 8"/>
+          <p:cNvSpPr/>
+          <p:nvPr/>
+        </p:nvSpPr>
+        <p:spPr>
+          <a:xfrm>
+            <a:off x="1189691" y="2720520"/>
+            <a:ext cx="9001873" cy="1200329"/>
+          </a:xfrm>
+          <a:prstGeom prst="rect">
+            <a:avLst/>
+          </a:prstGeom>
+        </p:spPr>
+        <p:txBody>
+          <a:bodyPr wrap="square">
+            <a:spAutoFit/>
+          </a:bodyPr>
+          <a:lstStyle/>
+          <a:p>
+            <a:r>
+              <a:rPr lang="zh-CN" altLang="en-US" dirty="0" smtClean="0"/>
+              <a:t>概要：</a:t>
+            </a:r>
+            <a:endParaRPr lang="en-US" altLang="zh-CN" dirty="0"/>
+          </a:p>
+          <a:p>
+            <a:r>
+              <a:rPr lang="zh-CN" altLang="en-US" dirty="0" smtClean="0"/>
+              <a:t>对</a:t>
+            </a:r>
+            <a:r>
+              <a:rPr lang="en-US" altLang="zh-CN" dirty="0" smtClean="0"/>
+              <a:t>TCAM</a:t>
+            </a:r>
+            <a:r>
+              <a:rPr lang="zh-CN" altLang="en-US" dirty="0" smtClean="0"/>
+              <a:t>的更新分为两步，第一步是计算更新的步骤，第二步是应用这个更新。现在大部分的研究都是在第二步上，本文重点对第一步进行优化，减少</a:t>
+            </a:r>
+            <a:r>
+              <a:rPr lang="en-US" altLang="zh-CN" dirty="0" smtClean="0"/>
+              <a:t>10</a:t>
+            </a:r>
+            <a:r>
+              <a:rPr lang="zh-CN" altLang="en-US" dirty="0" smtClean="0"/>
+              <a:t>倍的延时，增加</a:t>
+            </a:r>
+            <a:r>
+              <a:rPr lang="en-US" altLang="zh-CN" dirty="0" smtClean="0"/>
+              <a:t>3-5</a:t>
+            </a:r>
+            <a:r>
+              <a:rPr lang="zh-CN" altLang="en-US" dirty="0" smtClean="0"/>
+              <a:t>倍的吞吐量</a:t>
+            </a:r>
+            <a:endParaRPr lang="en-US" altLang="zh-CN" dirty="0" smtClean="0"/>
+          </a:p>
+        </p:txBody>
+      </p:sp>
+      <p:sp>
+        <p:nvSpPr>
+          <p:cNvPr id="23" name="矩形 22"/>
+          <p:cNvSpPr/>
+          <p:nvPr/>
+        </p:nvSpPr>
+        <p:spPr>
+          <a:xfrm>
+            <a:off x="1189690" y="4581172"/>
+            <a:ext cx="9001873" cy="923330"/>
+          </a:xfrm>
+          <a:prstGeom prst="rect">
+            <a:avLst/>
+          </a:prstGeom>
+        </p:spPr>
+        <p:txBody>
+          <a:bodyPr wrap="square">
+            <a:spAutoFit/>
+          </a:bodyPr>
+          <a:lstStyle/>
+          <a:p>
+            <a:r>
+              <a:rPr lang="zh-CN" altLang="en-US" dirty="0" smtClean="0"/>
+              <a:t>解决的问题：</a:t>
+            </a:r>
+            <a:endParaRPr lang="en-US" altLang="zh-CN" dirty="0" smtClean="0"/>
+          </a:p>
+          <a:p>
+            <a:r>
+              <a:rPr lang="zh-CN" altLang="en-US" dirty="0" smtClean="0"/>
+              <a:t>最小化流表更新的影响与最快实现流表更新往往是相互矛盾的两个方面，需要一个算法综合考虑这两面的影响。</a:t>
+            </a:r>
+            <a:endParaRPr lang="en-US" altLang="zh-CN" dirty="0" smtClean="0"/>
+          </a:p>
+        </p:txBody>
+      </p:sp>
+    </p:spTree>
+    <p:extLst>
+      <p:ext uri="{BB962C8B-B14F-4D97-AF65-F5344CB8AC3E}">
+        <p14:creationId xmlns:p14="http://schemas.microsoft.com/office/powerpoint/2010/main" val="3926004951"/>
+      </p:ext>
+    </p:extLst>
+  </p:cSld>
+  <p:clrMapOvr>
+    <a:masterClrMapping/>
+  </p:clrMapOvr>
+  <mc:AlternateContent xmlns:mc="http://schemas.openxmlformats.org/markup-compatibility/2006" xmlns:p14="http://schemas.microsoft.com/office/powerpoint/2010/main">
+    <mc:Choice Requires="p14">
+      <p:transition spd="med" p14:dur="700">
+        <p:fade/>
+      </p:transition>
+    </mc:Choice>
+    <mc:Fallback xmlns="">
+      <p:transition spd="med">
+        <p:fade/>
+      </p:transition>
+    </mc:Fallback>
+  </mc:AlternateContent>
+  <p:timing>
+    <p:tnLst>
+      <p:par>
+        <p:cTn id="1" dur="indefinite" restart="never" nodeType="tmRoot"/>
+      </p:par>
+    </p:tnLst>
+  </p:timing>
+</p:sld>
+</file>
+
+<file path=ppt/slides/slide2.xml><?xml version="1.0" encoding="utf-8"?>
+<p:sld xmlns:a="http://schemas.openxmlformats.org/drawingml/2006/main" xmlns:r="http://schemas.openxmlformats.org/officeDocument/2006/relationships" xmlns:p="http://schemas.openxmlformats.org/presentationml/2006/main">
+  <p:cSld>
+    <p:spTree>
+      <p:nvGrpSpPr>
+        <p:cNvPr id="1" name=""/>
+        <p:cNvGrpSpPr/>
+        <p:nvPr/>
+      </p:nvGrpSpPr>
+      <p:grpSpPr>
+        <a:xfrm>
+          <a:off x="0" y="0"/>
+          <a:ext cx="0" cy="0"/>
+          <a:chOff x="0" y="0"/>
+          <a:chExt cx="0" cy="0"/>
+        </a:xfrm>
+      </p:grpSpPr>
+      <p:sp>
+        <p:nvSpPr>
+          <p:cNvPr id="2" name="文本占位符 1"/>
+          <p:cNvSpPr>
+            <a:spLocks noGrp="1"/>
+          </p:cNvSpPr>
+          <p:nvPr>
+            <p:ph type="body" sz="quarter" idx="10"/>
+          </p:nvPr>
+        </p:nvSpPr>
+        <p:spPr/>
+        <p:txBody>
+          <a:bodyPr/>
+          <a:lstStyle/>
+          <a:p>
+            <a:r>
+              <a:rPr lang="zh-CN" altLang="en-US" dirty="0" smtClean="0"/>
+              <a:t>背景介绍</a:t>
+            </a:r>
+            <a:endParaRPr lang="zh-CN" altLang="en-US" dirty="0"/>
+          </a:p>
+        </p:txBody>
+      </p:sp>
+      <p:sp>
+        <p:nvSpPr>
+          <p:cNvPr id="3" name="文本占位符 2"/>
+          <p:cNvSpPr>
+            <a:spLocks noGrp="1"/>
+          </p:cNvSpPr>
+          <p:nvPr>
+            <p:ph type="body" sz="quarter" idx="11"/>
+          </p:nvPr>
+        </p:nvSpPr>
+        <p:spPr/>
+        <p:txBody>
+          <a:bodyPr/>
+          <a:lstStyle/>
+          <a:p>
+            <a:r>
+              <a:rPr lang="en-US" altLang="zh-CN" dirty="0" smtClean="0"/>
+              <a:t>01</a:t>
+            </a:r>
+            <a:endParaRPr lang="zh-CN" altLang="en-US" dirty="0"/>
+          </a:p>
+        </p:txBody>
+      </p:sp>
+      <p:grpSp>
+        <p:nvGrpSpPr>
+          <p:cNvPr id="4" name="组 15"/>
+          <p:cNvGrpSpPr/>
+          <p:nvPr/>
+        </p:nvGrpSpPr>
+        <p:grpSpPr>
+          <a:xfrm>
+            <a:off x="806707" y="1149637"/>
+            <a:ext cx="462708" cy="462706"/>
+            <a:chOff x="5905041" y="2016087"/>
+            <a:chExt cx="2060154" cy="2060154"/>
+          </a:xfrm>
+        </p:grpSpPr>
+        <p:sp>
+          <p:nvSpPr>
+            <p:cNvPr id="5" name="同心圆 4"/>
+            <p:cNvSpPr/>
+            <p:nvPr/>
+          </p:nvSpPr>
+          <p:spPr>
+            <a:xfrm>
+              <a:off x="5905041" y="2016087"/>
+              <a:ext cx="2060154" cy="2060154"/>
+            </a:xfrm>
+            <a:prstGeom prst="donut">
+              <a:avLst>
+                <a:gd name="adj" fmla="val 4667"/>
+              </a:avLst>
+            </a:prstGeom>
+            <a:ln>
+              <a:noFill/>
+            </a:ln>
+          </p:spPr>
+          <p:style>
+            <a:lnRef idx="2">
+              <a:schemeClr val="accent1">
+                <a:shade val="50000"/>
+              </a:schemeClr>
+            </a:lnRef>
+            <a:fillRef idx="1">
+              <a:schemeClr val="accent1"/>
+            </a:fillRef>
+            <a:effectRef idx="0">
+              <a:schemeClr val="accent1"/>
+            </a:effectRef>
+            <a:fontRef idx="minor">
+              <a:schemeClr val="lt1"/>
+            </a:fontRef>
+          </p:style>
+          <p:txBody>
+            <a:bodyPr rtlCol="0" anchor="ctr"/>
+            <a:lstStyle/>
+            <a:p>
+              <a:pPr algn="ctr"/>
+              <a:endParaRPr kumimoji="1" lang="zh-CN" altLang="en-US">
+                <a:solidFill>
+                  <a:schemeClr val="tx1"/>
+                </a:solidFill>
+              </a:endParaRPr>
+            </a:p>
+          </p:txBody>
+        </p:sp>
+        <p:sp>
+          <p:nvSpPr>
+            <p:cNvPr id="6" name="L 形 5"/>
+            <p:cNvSpPr/>
+            <p:nvPr/>
+          </p:nvSpPr>
+          <p:spPr>
+            <a:xfrm rot="18900000">
+              <a:off x="6318173" y="2553833"/>
+              <a:ext cx="1233889" cy="661011"/>
+            </a:xfrm>
+            <a:prstGeom prst="corner">
+              <a:avLst>
+                <a:gd name="adj1" fmla="val 16222"/>
+                <a:gd name="adj2" fmla="val 14924"/>
+              </a:avLst>
+            </a:prstGeom>
+            <a:ln>
+              <a:noFill/>
+            </a:ln>
+          </p:spPr>
+          <p:style>
+            <a:lnRef idx="2">
+              <a:schemeClr val="accent1">
+                <a:shade val="50000"/>
+              </a:schemeClr>
+            </a:lnRef>
+            <a:fillRef idx="1">
+              <a:schemeClr val="accent1"/>
+            </a:fillRef>
+            <a:effectRef idx="0">
+              <a:schemeClr val="accent1"/>
+            </a:effectRef>
+            <a:fontRef idx="minor">
+              <a:schemeClr val="lt1"/>
+            </a:fontRef>
+          </p:style>
+          <p:txBody>
+            <a:bodyPr rot="0" spcFirstLastPara="0" vertOverflow="overflow" horzOverflow="overflow" vert="horz" wrap="square" lIns="91440" tIns="45720" rIns="91440" bIns="45720" numCol="1" spcCol="0" rtlCol="0" fromWordArt="0" anchor="ctr" anchorCtr="0" forceAA="0" compatLnSpc="1">
+              <a:prstTxWarp prst="textNoShape">
+                <a:avLst/>
+              </a:prstTxWarp>
+              <a:noAutofit/>
+            </a:bodyPr>
+            <a:lstStyle/>
+            <a:p>
+              <a:pPr algn="ctr"/>
+              <a:endParaRPr kumimoji="1" lang="zh-CN" altLang="en-US">
+                <a:solidFill>
+                  <a:schemeClr val="tx1"/>
+                </a:solidFill>
+              </a:endParaRPr>
+            </a:p>
+          </p:txBody>
+        </p:sp>
+      </p:grpSp>
       <p:sp>
         <p:nvSpPr>
           <p:cNvPr id="7" name="矩形 6"/>
@@ -8910,6 +9783,1257 @@
 </p:sld>
 </file>
 
+<file path=ppt/slides/slide20.xml><?xml version="1.0" encoding="utf-8"?>
+<p:sld xmlns:a="http://schemas.openxmlformats.org/drawingml/2006/main" xmlns:r="http://schemas.openxmlformats.org/officeDocument/2006/relationships" xmlns:p="http://schemas.openxmlformats.org/presentationml/2006/main">
+  <p:cSld>
+    <p:spTree>
+      <p:nvGrpSpPr>
+        <p:cNvPr id="1" name=""/>
+        <p:cNvGrpSpPr/>
+        <p:nvPr/>
+      </p:nvGrpSpPr>
+      <p:grpSpPr>
+        <a:xfrm>
+          <a:off x="0" y="0"/>
+          <a:ext cx="0" cy="0"/>
+          <a:chOff x="0" y="0"/>
+          <a:chExt cx="0" cy="0"/>
+        </a:xfrm>
+      </p:grpSpPr>
+      <p:sp>
+        <p:nvSpPr>
+          <p:cNvPr id="2" name="文本占位符 1"/>
+          <p:cNvSpPr>
+            <a:spLocks noGrp="1"/>
+          </p:cNvSpPr>
+          <p:nvPr>
+            <p:ph type="body" sz="quarter" idx="10"/>
+          </p:nvPr>
+        </p:nvSpPr>
+        <p:spPr/>
+        <p:txBody>
+          <a:bodyPr/>
+          <a:lstStyle/>
+          <a:p>
+            <a:r>
+              <a:rPr lang="zh-CN" altLang="en-US" dirty="0" smtClean="0"/>
+              <a:t>背景介绍</a:t>
+            </a:r>
+            <a:endParaRPr lang="zh-CN" altLang="en-US" dirty="0"/>
+          </a:p>
+        </p:txBody>
+      </p:sp>
+      <p:sp>
+        <p:nvSpPr>
+          <p:cNvPr id="3" name="文本占位符 2"/>
+          <p:cNvSpPr>
+            <a:spLocks noGrp="1"/>
+          </p:cNvSpPr>
+          <p:nvPr>
+            <p:ph type="body" sz="quarter" idx="11"/>
+          </p:nvPr>
+        </p:nvSpPr>
+        <p:spPr/>
+        <p:txBody>
+          <a:bodyPr/>
+          <a:lstStyle/>
+          <a:p>
+            <a:r>
+              <a:rPr lang="en-US" altLang="zh-CN" dirty="0" smtClean="0"/>
+              <a:t>01</a:t>
+            </a:r>
+            <a:endParaRPr lang="zh-CN" altLang="en-US" dirty="0"/>
+          </a:p>
+        </p:txBody>
+      </p:sp>
+      <p:pic>
+        <p:nvPicPr>
+          <p:cNvPr id="4" name="图片 3"/>
+          <p:cNvPicPr>
+            <a:picLocks noChangeAspect="1"/>
+          </p:cNvPicPr>
+          <p:nvPr/>
+        </p:nvPicPr>
+        <p:blipFill>
+          <a:blip r:embed="rId2"/>
+          <a:stretch>
+            <a:fillRect/>
+          </a:stretch>
+        </p:blipFill>
+        <p:spPr>
+          <a:xfrm>
+            <a:off x="6052226" y="909821"/>
+            <a:ext cx="5231718" cy="2232874"/>
+          </a:xfrm>
+          <a:prstGeom prst="rect">
+            <a:avLst/>
+          </a:prstGeom>
+        </p:spPr>
+      </p:pic>
+      <p:pic>
+        <p:nvPicPr>
+          <p:cNvPr id="5" name="图片 4"/>
+          <p:cNvPicPr>
+            <a:picLocks noChangeAspect="1"/>
+          </p:cNvPicPr>
+          <p:nvPr/>
+        </p:nvPicPr>
+        <p:blipFill>
+          <a:blip r:embed="rId3"/>
+          <a:stretch>
+            <a:fillRect/>
+          </a:stretch>
+        </p:blipFill>
+        <p:spPr>
+          <a:xfrm>
+            <a:off x="5613092" y="3323363"/>
+            <a:ext cx="6109987" cy="2979512"/>
+          </a:xfrm>
+          <a:prstGeom prst="rect">
+            <a:avLst/>
+          </a:prstGeom>
+        </p:spPr>
+      </p:pic>
+      <p:sp>
+        <p:nvSpPr>
+          <p:cNvPr id="6" name="文本框 5"/>
+          <p:cNvSpPr txBox="1"/>
+          <p:nvPr/>
+        </p:nvSpPr>
+        <p:spPr>
+          <a:xfrm>
+            <a:off x="621437" y="1225118"/>
+            <a:ext cx="5320687" cy="2585323"/>
+          </a:xfrm>
+          <a:prstGeom prst="rect">
+            <a:avLst/>
+          </a:prstGeom>
+          <a:noFill/>
+        </p:spPr>
+        <p:txBody>
+          <a:bodyPr wrap="none" rtlCol="0">
+            <a:spAutoFit/>
+          </a:bodyPr>
+          <a:lstStyle/>
+          <a:p>
+            <a:pPr marL="285750" indent="-285750">
+              <a:buFont typeface="Arial" panose="020B0604020202020204" pitchFamily="34" charset="0"/>
+              <a:buChar char="•"/>
+            </a:pPr>
+            <a:r>
+              <a:rPr lang="en-US" altLang="zh-CN" dirty="0" smtClean="0"/>
+              <a:t>SDN</a:t>
+            </a:r>
+            <a:r>
+              <a:rPr lang="zh-CN" altLang="en-US" dirty="0" smtClean="0"/>
+              <a:t>中的规则由</a:t>
+            </a:r>
+            <a:r>
+              <a:rPr lang="en-US" altLang="zh-CN" dirty="0" smtClean="0"/>
+              <a:t>{</a:t>
+            </a:r>
+            <a:r>
+              <a:rPr lang="en-US" altLang="zh-CN" dirty="0" err="1" smtClean="0"/>
+              <a:t>pri</a:t>
+            </a:r>
+            <a:r>
+              <a:rPr lang="en-US" altLang="zh-CN" dirty="0" smtClean="0"/>
+              <a:t>, </a:t>
+            </a:r>
+            <a:r>
+              <a:rPr lang="en-US" altLang="zh-CN" dirty="0" err="1" smtClean="0"/>
+              <a:t>sp</a:t>
+            </a:r>
+            <a:r>
+              <a:rPr lang="en-US" altLang="zh-CN" dirty="0" smtClean="0"/>
+              <a:t>, act}</a:t>
+            </a:r>
+            <a:r>
+              <a:rPr lang="zh-CN" altLang="en-US" dirty="0" smtClean="0"/>
+              <a:t>三元组构成</a:t>
+            </a:r>
+            <a:endParaRPr lang="en-US" altLang="zh-CN" dirty="0" smtClean="0"/>
+          </a:p>
+          <a:p>
+            <a:pPr marL="285750" indent="-285750">
+              <a:buFont typeface="Arial" panose="020B0604020202020204" pitchFamily="34" charset="0"/>
+              <a:buChar char="•"/>
+            </a:pPr>
+            <a:endParaRPr lang="en-US" altLang="zh-CN" dirty="0"/>
+          </a:p>
+          <a:p>
+            <a:pPr marL="285750" indent="-285750">
+              <a:buFont typeface="Arial" panose="020B0604020202020204" pitchFamily="34" charset="0"/>
+              <a:buChar char="•"/>
+            </a:pPr>
+            <a:r>
+              <a:rPr lang="zh-CN" altLang="en-US" dirty="0" smtClean="0"/>
+              <a:t>规则可能是重叠的，最高优先级的规则才能执行</a:t>
+            </a:r>
+            <a:endParaRPr lang="en-US" altLang="zh-CN" dirty="0" smtClean="0"/>
+          </a:p>
+          <a:p>
+            <a:pPr marL="285750" indent="-285750">
+              <a:buFont typeface="Arial" panose="020B0604020202020204" pitchFamily="34" charset="0"/>
+              <a:buChar char="•"/>
+            </a:pPr>
+            <a:endParaRPr lang="en-US" altLang="zh-CN" dirty="0"/>
+          </a:p>
+          <a:p>
+            <a:pPr marL="285750" indent="-285750">
+              <a:buFont typeface="Arial" panose="020B0604020202020204" pitchFamily="34" charset="0"/>
+              <a:buChar char="•"/>
+            </a:pPr>
+            <a:r>
+              <a:rPr lang="en-US" altLang="zh-CN" dirty="0" smtClean="0"/>
+              <a:t>TCAM</a:t>
+            </a:r>
+            <a:r>
+              <a:rPr lang="zh-CN" altLang="en-US" dirty="0" smtClean="0"/>
+              <a:t>只返回匹配项的最小的</a:t>
+            </a:r>
+            <a:r>
+              <a:rPr lang="en-US" altLang="zh-CN" dirty="0" smtClean="0"/>
+              <a:t>index</a:t>
+            </a:r>
+          </a:p>
+          <a:p>
+            <a:pPr marL="285750" indent="-285750">
+              <a:buFont typeface="Arial" panose="020B0604020202020204" pitchFamily="34" charset="0"/>
+              <a:buChar char="•"/>
+            </a:pPr>
+            <a:endParaRPr lang="en-US" altLang="zh-CN" dirty="0"/>
+          </a:p>
+          <a:p>
+            <a:pPr marL="285750" indent="-285750">
+              <a:buFont typeface="Arial" panose="020B0604020202020204" pitchFamily="34" charset="0"/>
+              <a:buChar char="•"/>
+            </a:pPr>
+            <a:r>
+              <a:rPr lang="zh-CN" altLang="en-US" dirty="0" smtClean="0"/>
+              <a:t>高优先级的表项</a:t>
+            </a:r>
+            <a:r>
+              <a:rPr lang="en-US" altLang="zh-CN" dirty="0" smtClean="0"/>
+              <a:t>index</a:t>
+            </a:r>
+            <a:r>
+              <a:rPr lang="zh-CN" altLang="en-US" dirty="0" smtClean="0"/>
+              <a:t>会更小</a:t>
+            </a:r>
+            <a:endParaRPr lang="en-US" altLang="zh-CN" dirty="0" smtClean="0"/>
+          </a:p>
+          <a:p>
+            <a:pPr marL="285750" indent="-285750">
+              <a:buFont typeface="Arial" panose="020B0604020202020204" pitchFamily="34" charset="0"/>
+              <a:buChar char="•"/>
+            </a:pPr>
+            <a:endParaRPr lang="en-US" altLang="zh-CN" dirty="0"/>
+          </a:p>
+          <a:p>
+            <a:pPr marL="285750" indent="-285750">
+              <a:buFont typeface="Arial" panose="020B0604020202020204" pitchFamily="34" charset="0"/>
+              <a:buChar char="•"/>
+            </a:pPr>
+            <a:r>
+              <a:rPr lang="zh-CN" altLang="en-US" dirty="0" smtClean="0"/>
+              <a:t>更新时可能会出现优先级翻转的问题</a:t>
+            </a:r>
+            <a:endParaRPr lang="zh-CN" altLang="en-US" dirty="0"/>
+          </a:p>
+        </p:txBody>
+      </p:sp>
+      <p:pic>
+        <p:nvPicPr>
+          <p:cNvPr id="7" name="图片 6"/>
+          <p:cNvPicPr>
+            <a:picLocks noChangeAspect="1"/>
+          </p:cNvPicPr>
+          <p:nvPr/>
+        </p:nvPicPr>
+        <p:blipFill>
+          <a:blip r:embed="rId4"/>
+          <a:stretch>
+            <a:fillRect/>
+          </a:stretch>
+        </p:blipFill>
+        <p:spPr>
+          <a:xfrm>
+            <a:off x="1117012" y="3979117"/>
+            <a:ext cx="3668052" cy="2276333"/>
+          </a:xfrm>
+          <a:prstGeom prst="rect">
+            <a:avLst/>
+          </a:prstGeom>
+        </p:spPr>
+      </p:pic>
+    </p:spTree>
+    <p:extLst>
+      <p:ext uri="{BB962C8B-B14F-4D97-AF65-F5344CB8AC3E}">
+        <p14:creationId xmlns:p14="http://schemas.microsoft.com/office/powerpoint/2010/main" val="4014432174"/>
+      </p:ext>
+    </p:extLst>
+  </p:cSld>
+  <p:clrMapOvr>
+    <a:masterClrMapping/>
+  </p:clrMapOvr>
+</p:sld>
+</file>
+
+<file path=ppt/slides/slide21.xml><?xml version="1.0" encoding="utf-8"?>
+<p:sld xmlns:a="http://schemas.openxmlformats.org/drawingml/2006/main" xmlns:r="http://schemas.openxmlformats.org/officeDocument/2006/relationships" xmlns:p="http://schemas.openxmlformats.org/presentationml/2006/main">
+  <p:cSld>
+    <p:spTree>
+      <p:nvGrpSpPr>
+        <p:cNvPr id="1" name=""/>
+        <p:cNvGrpSpPr/>
+        <p:nvPr/>
+      </p:nvGrpSpPr>
+      <p:grpSpPr>
+        <a:xfrm>
+          <a:off x="0" y="0"/>
+          <a:ext cx="0" cy="0"/>
+          <a:chOff x="0" y="0"/>
+          <a:chExt cx="0" cy="0"/>
+        </a:xfrm>
+      </p:grpSpPr>
+      <p:sp>
+        <p:nvSpPr>
+          <p:cNvPr id="2" name="文本占位符 1"/>
+          <p:cNvSpPr>
+            <a:spLocks noGrp="1"/>
+          </p:cNvSpPr>
+          <p:nvPr>
+            <p:ph type="body" sz="quarter" idx="10"/>
+          </p:nvPr>
+        </p:nvSpPr>
+        <p:spPr/>
+        <p:txBody>
+          <a:bodyPr/>
+          <a:lstStyle/>
+          <a:p>
+            <a:r>
+              <a:rPr lang="en-US" altLang="zh-CN" dirty="0" err="1" smtClean="0"/>
+              <a:t>FastUp</a:t>
+            </a:r>
+            <a:r>
+              <a:rPr lang="zh-CN" altLang="en-US" dirty="0" smtClean="0"/>
+              <a:t>算法设计</a:t>
+            </a:r>
+            <a:endParaRPr lang="zh-CN" altLang="en-US" dirty="0"/>
+          </a:p>
+        </p:txBody>
+      </p:sp>
+      <p:sp>
+        <p:nvSpPr>
+          <p:cNvPr id="3" name="文本占位符 2"/>
+          <p:cNvSpPr>
+            <a:spLocks noGrp="1"/>
+          </p:cNvSpPr>
+          <p:nvPr>
+            <p:ph type="body" sz="quarter" idx="11"/>
+          </p:nvPr>
+        </p:nvSpPr>
+        <p:spPr/>
+        <p:txBody>
+          <a:bodyPr/>
+          <a:lstStyle/>
+          <a:p>
+            <a:r>
+              <a:rPr lang="en-US" altLang="zh-CN" dirty="0" smtClean="0"/>
+              <a:t>02</a:t>
+            </a:r>
+            <a:endParaRPr lang="zh-CN" altLang="en-US" dirty="0"/>
+          </a:p>
+        </p:txBody>
+      </p:sp>
+      <p:sp>
+        <p:nvSpPr>
+          <p:cNvPr id="4" name="文本框 3"/>
+          <p:cNvSpPr txBox="1"/>
+          <p:nvPr/>
+        </p:nvSpPr>
+        <p:spPr>
+          <a:xfrm>
+            <a:off x="781235" y="1031575"/>
+            <a:ext cx="8956298" cy="369332"/>
+          </a:xfrm>
+          <a:prstGeom prst="rect">
+            <a:avLst/>
+          </a:prstGeom>
+          <a:noFill/>
+        </p:spPr>
+        <p:txBody>
+          <a:bodyPr wrap="none" rtlCol="0">
+            <a:spAutoFit/>
+          </a:bodyPr>
+          <a:lstStyle/>
+          <a:p>
+            <a:r>
+              <a:rPr lang="zh-CN" altLang="en-US" dirty="0" smtClean="0"/>
+              <a:t>第一步：查询新规则可以插入的范围，如果不存在说明出现规则翻转，则需要进行调整</a:t>
+            </a:r>
+            <a:endParaRPr lang="zh-CN" altLang="en-US" dirty="0"/>
+          </a:p>
+        </p:txBody>
+      </p:sp>
+      <p:pic>
+        <p:nvPicPr>
+          <p:cNvPr id="5" name="图片 4"/>
+          <p:cNvPicPr>
+            <a:picLocks noChangeAspect="1"/>
+          </p:cNvPicPr>
+          <p:nvPr/>
+        </p:nvPicPr>
+        <p:blipFill>
+          <a:blip r:embed="rId2"/>
+          <a:stretch>
+            <a:fillRect/>
+          </a:stretch>
+        </p:blipFill>
+        <p:spPr>
+          <a:xfrm>
+            <a:off x="674703" y="1400907"/>
+            <a:ext cx="5486400" cy="4884708"/>
+          </a:xfrm>
+          <a:prstGeom prst="rect">
+            <a:avLst/>
+          </a:prstGeom>
+        </p:spPr>
+      </p:pic>
+      <p:sp>
+        <p:nvSpPr>
+          <p:cNvPr id="6" name="文本框 5"/>
+          <p:cNvSpPr txBox="1"/>
+          <p:nvPr/>
+        </p:nvSpPr>
+        <p:spPr>
+          <a:xfrm>
+            <a:off x="6081204" y="1925546"/>
+            <a:ext cx="4793942" cy="3724096"/>
+          </a:xfrm>
+          <a:prstGeom prst="rect">
+            <a:avLst/>
+          </a:prstGeom>
+          <a:noFill/>
+        </p:spPr>
+        <p:txBody>
+          <a:bodyPr wrap="square" rtlCol="0">
+            <a:spAutoFit/>
+          </a:bodyPr>
+          <a:lstStyle/>
+          <a:p>
+            <a:pPr marL="342900" indent="-342900">
+              <a:buAutoNum type="arabicPeriod"/>
+            </a:pPr>
+            <a:r>
+              <a:rPr lang="zh-CN" altLang="en-US" dirty="0" smtClean="0"/>
+              <a:t>找到下方的一个空格，判断这个空格上面有多少规则优先级低于新插入的规则，记这个数量为</a:t>
+            </a:r>
+            <a:r>
+              <a:rPr lang="en-US" altLang="zh-CN" dirty="0" smtClean="0"/>
+              <a:t>|</a:t>
+            </a:r>
+            <a:r>
+              <a:rPr lang="en-US" altLang="zh-CN" dirty="0" err="1" smtClean="0"/>
+              <a:t>S</a:t>
+            </a:r>
+            <a:r>
+              <a:rPr lang="en-US" altLang="zh-CN" sz="1000" dirty="0" err="1" smtClean="0"/>
+              <a:t>down</a:t>
+            </a:r>
+            <a:r>
+              <a:rPr lang="en-US" altLang="zh-CN" dirty="0" smtClean="0"/>
+              <a:t>|</a:t>
+            </a:r>
+          </a:p>
+          <a:p>
+            <a:pPr marL="342900" indent="-342900">
+              <a:buAutoNum type="arabicPeriod"/>
+            </a:pPr>
+            <a:endParaRPr lang="en-US" altLang="zh-CN" dirty="0" smtClean="0"/>
+          </a:p>
+          <a:p>
+            <a:pPr marL="342900" indent="-342900">
+              <a:buFontTx/>
+              <a:buAutoNum type="arabicPeriod"/>
+            </a:pPr>
+            <a:r>
+              <a:rPr lang="zh-CN" altLang="en-US" dirty="0" smtClean="0"/>
+              <a:t>找到上方一个控制，判断这个空格下面有多少规则优先级高于新插入的规则，记这个数量为</a:t>
+            </a:r>
+            <a:r>
+              <a:rPr lang="en-US" altLang="zh-CN" dirty="0"/>
+              <a:t>|</a:t>
+            </a:r>
+            <a:r>
+              <a:rPr lang="en-US" altLang="zh-CN" dirty="0" smtClean="0"/>
+              <a:t>S</a:t>
+            </a:r>
+            <a:r>
+              <a:rPr lang="en-US" altLang="zh-CN" sz="1050" dirty="0" smtClean="0"/>
+              <a:t>up</a:t>
+            </a:r>
+            <a:r>
+              <a:rPr lang="en-US" altLang="zh-CN" dirty="0" smtClean="0"/>
+              <a:t>|</a:t>
+            </a:r>
+          </a:p>
+          <a:p>
+            <a:pPr marL="342900" indent="-342900">
+              <a:buFontTx/>
+              <a:buAutoNum type="arabicPeriod"/>
+            </a:pPr>
+            <a:endParaRPr lang="en-US" altLang="zh-CN" dirty="0"/>
+          </a:p>
+          <a:p>
+            <a:pPr marL="342900" indent="-342900">
+              <a:buFontTx/>
+              <a:buAutoNum type="arabicPeriod"/>
+            </a:pPr>
+            <a:r>
+              <a:rPr lang="zh-CN" altLang="en-US" dirty="0" smtClean="0"/>
+              <a:t>比较</a:t>
+            </a:r>
+            <a:r>
+              <a:rPr lang="en-US" altLang="zh-CN" dirty="0">
+                <a:solidFill>
+                  <a:prstClr val="black"/>
+                </a:solidFill>
+              </a:rPr>
+              <a:t>|</a:t>
+            </a:r>
+            <a:r>
+              <a:rPr lang="en-US" altLang="zh-CN" dirty="0" err="1" smtClean="0">
+                <a:solidFill>
+                  <a:prstClr val="black"/>
+                </a:solidFill>
+              </a:rPr>
+              <a:t>S</a:t>
+            </a:r>
+            <a:r>
+              <a:rPr lang="en-US" altLang="zh-CN" sz="1000" dirty="0" err="1" smtClean="0">
+                <a:solidFill>
+                  <a:prstClr val="black"/>
+                </a:solidFill>
+              </a:rPr>
+              <a:t>down</a:t>
+            </a:r>
+            <a:r>
+              <a:rPr lang="en-US" altLang="zh-CN" dirty="0" smtClean="0">
+                <a:solidFill>
+                  <a:prstClr val="black"/>
+                </a:solidFill>
+              </a:rPr>
+              <a:t>|</a:t>
+            </a:r>
+            <a:r>
+              <a:rPr lang="zh-CN" altLang="en-US" dirty="0" smtClean="0">
+                <a:solidFill>
+                  <a:prstClr val="black"/>
+                </a:solidFill>
+              </a:rPr>
+              <a:t>与</a:t>
+            </a:r>
+            <a:r>
+              <a:rPr lang="en-US" altLang="zh-CN" dirty="0">
+                <a:solidFill>
+                  <a:prstClr val="black"/>
+                </a:solidFill>
+              </a:rPr>
+              <a:t>|S</a:t>
+            </a:r>
+            <a:r>
+              <a:rPr lang="en-US" altLang="zh-CN" sz="1050" dirty="0">
+                <a:solidFill>
+                  <a:prstClr val="black"/>
+                </a:solidFill>
+              </a:rPr>
+              <a:t>up</a:t>
+            </a:r>
+            <a:r>
+              <a:rPr lang="en-US" altLang="zh-CN" dirty="0" smtClean="0">
+                <a:solidFill>
+                  <a:prstClr val="black"/>
+                </a:solidFill>
+              </a:rPr>
+              <a:t>|</a:t>
+            </a:r>
+            <a:r>
+              <a:rPr lang="zh-CN" altLang="en-US" dirty="0" smtClean="0">
+                <a:solidFill>
+                  <a:prstClr val="black"/>
+                </a:solidFill>
+              </a:rPr>
+              <a:t>，如果</a:t>
+            </a:r>
+            <a:r>
+              <a:rPr lang="en-US" altLang="zh-CN" dirty="0"/>
+              <a:t>|</a:t>
+            </a:r>
+            <a:r>
+              <a:rPr lang="en-US" altLang="zh-CN" dirty="0" smtClean="0"/>
+              <a:t>S</a:t>
+            </a:r>
+            <a:r>
+              <a:rPr lang="en-US" altLang="zh-CN" sz="1050" dirty="0" smtClean="0"/>
+              <a:t>up</a:t>
+            </a:r>
+            <a:r>
+              <a:rPr lang="en-US" altLang="zh-CN" dirty="0" smtClean="0"/>
+              <a:t>|</a:t>
+            </a:r>
+            <a:r>
+              <a:rPr lang="zh-CN" altLang="en-US" dirty="0" smtClean="0"/>
+              <a:t>更小，则移动</a:t>
+            </a:r>
+            <a:r>
+              <a:rPr lang="en-US" altLang="zh-CN" dirty="0" smtClean="0"/>
+              <a:t>S</a:t>
+            </a:r>
+            <a:r>
+              <a:rPr lang="en-US" altLang="zh-CN" sz="1050" dirty="0" smtClean="0"/>
+              <a:t>up</a:t>
+            </a:r>
+            <a:r>
+              <a:rPr lang="zh-CN" altLang="en-US" dirty="0" smtClean="0"/>
+              <a:t>，否则移动</a:t>
+            </a:r>
+            <a:r>
+              <a:rPr lang="en-US" altLang="zh-CN" dirty="0" err="1" smtClean="0">
+                <a:solidFill>
+                  <a:prstClr val="black"/>
+                </a:solidFill>
+              </a:rPr>
+              <a:t>S</a:t>
+            </a:r>
+            <a:r>
+              <a:rPr lang="en-US" altLang="zh-CN" sz="1000" dirty="0" err="1" smtClean="0">
+                <a:solidFill>
+                  <a:prstClr val="black"/>
+                </a:solidFill>
+              </a:rPr>
+              <a:t>down</a:t>
+            </a:r>
+            <a:endParaRPr lang="en-US" altLang="zh-CN" sz="1000" dirty="0" smtClean="0">
+              <a:solidFill>
+                <a:prstClr val="black"/>
+              </a:solidFill>
+            </a:endParaRPr>
+          </a:p>
+          <a:p>
+            <a:pPr marL="342900" indent="-342900">
+              <a:buFontTx/>
+              <a:buAutoNum type="arabicPeriod"/>
+            </a:pPr>
+            <a:endParaRPr lang="en-US" altLang="zh-CN" sz="1000" dirty="0" smtClean="0">
+              <a:solidFill>
+                <a:prstClr val="black"/>
+              </a:solidFill>
+            </a:endParaRPr>
+          </a:p>
+          <a:p>
+            <a:pPr marL="342900" indent="-342900">
+              <a:buFontTx/>
+              <a:buAutoNum type="arabicPeriod"/>
+            </a:pPr>
+            <a:endParaRPr lang="en-US" altLang="zh-CN" sz="1000" dirty="0" smtClean="0">
+              <a:solidFill>
+                <a:prstClr val="black"/>
+              </a:solidFill>
+            </a:endParaRPr>
+          </a:p>
+          <a:p>
+            <a:pPr marL="342900" indent="-342900">
+              <a:buFontTx/>
+              <a:buAutoNum type="arabicPeriod"/>
+            </a:pPr>
+            <a:r>
+              <a:rPr lang="zh-CN" altLang="en-US" dirty="0" smtClean="0"/>
+              <a:t>重复这个过程，直到找到一个可以插入的范围。</a:t>
+            </a:r>
+            <a:endParaRPr lang="en-US" altLang="zh-CN" dirty="0"/>
+          </a:p>
+        </p:txBody>
+      </p:sp>
+    </p:spTree>
+    <p:extLst>
+      <p:ext uri="{BB962C8B-B14F-4D97-AF65-F5344CB8AC3E}">
+        <p14:creationId xmlns:p14="http://schemas.microsoft.com/office/powerpoint/2010/main" val="1322414209"/>
+      </p:ext>
+    </p:extLst>
+  </p:cSld>
+  <p:clrMapOvr>
+    <a:masterClrMapping/>
+  </p:clrMapOvr>
+</p:sld>
+</file>
+
+<file path=ppt/slides/slide22.xml><?xml version="1.0" encoding="utf-8"?>
+<p:sld xmlns:a="http://schemas.openxmlformats.org/drawingml/2006/main" xmlns:r="http://schemas.openxmlformats.org/officeDocument/2006/relationships" xmlns:p="http://schemas.openxmlformats.org/presentationml/2006/main">
+  <p:cSld>
+    <p:spTree>
+      <p:nvGrpSpPr>
+        <p:cNvPr id="1" name=""/>
+        <p:cNvGrpSpPr/>
+        <p:nvPr/>
+      </p:nvGrpSpPr>
+      <p:grpSpPr>
+        <a:xfrm>
+          <a:off x="0" y="0"/>
+          <a:ext cx="0" cy="0"/>
+          <a:chOff x="0" y="0"/>
+          <a:chExt cx="0" cy="0"/>
+        </a:xfrm>
+      </p:grpSpPr>
+      <p:sp>
+        <p:nvSpPr>
+          <p:cNvPr id="2" name="文本占位符 1"/>
+          <p:cNvSpPr>
+            <a:spLocks noGrp="1"/>
+          </p:cNvSpPr>
+          <p:nvPr>
+            <p:ph type="body" sz="quarter" idx="10"/>
+          </p:nvPr>
+        </p:nvSpPr>
+        <p:spPr/>
+        <p:txBody>
+          <a:bodyPr/>
+          <a:lstStyle/>
+          <a:p>
+            <a:r>
+              <a:rPr lang="en-US" altLang="zh-CN" dirty="0" err="1"/>
+              <a:t>FastUp</a:t>
+            </a:r>
+            <a:r>
+              <a:rPr lang="zh-CN" altLang="en-US" dirty="0"/>
+              <a:t>算法设计</a:t>
+            </a:r>
+          </a:p>
+          <a:p>
+            <a:endParaRPr lang="zh-CN" altLang="en-US" dirty="0"/>
+          </a:p>
+        </p:txBody>
+      </p:sp>
+      <p:sp>
+        <p:nvSpPr>
+          <p:cNvPr id="3" name="文本占位符 2"/>
+          <p:cNvSpPr>
+            <a:spLocks noGrp="1"/>
+          </p:cNvSpPr>
+          <p:nvPr>
+            <p:ph type="body" sz="quarter" idx="11"/>
+          </p:nvPr>
+        </p:nvSpPr>
+        <p:spPr/>
+        <p:txBody>
+          <a:bodyPr/>
+          <a:lstStyle/>
+          <a:p>
+            <a:r>
+              <a:rPr lang="en-US" altLang="zh-CN" dirty="0" smtClean="0"/>
+              <a:t>02</a:t>
+            </a:r>
+            <a:endParaRPr lang="zh-CN" altLang="en-US" dirty="0"/>
+          </a:p>
+        </p:txBody>
+      </p:sp>
+      <p:sp>
+        <p:nvSpPr>
+          <p:cNvPr id="4" name="矩形 3"/>
+          <p:cNvSpPr/>
+          <p:nvPr/>
+        </p:nvSpPr>
+        <p:spPr>
+          <a:xfrm>
+            <a:off x="775315" y="1028460"/>
+            <a:ext cx="9078897" cy="369332"/>
+          </a:xfrm>
+          <a:prstGeom prst="rect">
+            <a:avLst/>
+          </a:prstGeom>
+        </p:spPr>
+        <p:txBody>
+          <a:bodyPr wrap="square">
+            <a:spAutoFit/>
+          </a:bodyPr>
+          <a:lstStyle/>
+          <a:p>
+            <a:r>
+              <a:rPr lang="zh-CN" altLang="en-US" dirty="0" smtClean="0"/>
+              <a:t>第二步：计算</a:t>
+            </a:r>
+            <a:r>
+              <a:rPr lang="en-US" altLang="zh-CN" dirty="0" smtClean="0"/>
+              <a:t>cost</a:t>
+            </a:r>
+            <a:r>
+              <a:rPr lang="zh-CN" altLang="en-US" dirty="0" smtClean="0"/>
+              <a:t>，寻找恰当的插入位置</a:t>
+            </a:r>
+            <a:endParaRPr lang="zh-CN" altLang="en-US" dirty="0"/>
+          </a:p>
+        </p:txBody>
+      </p:sp>
+      <p:pic>
+        <p:nvPicPr>
+          <p:cNvPr id="6" name="图片 5"/>
+          <p:cNvPicPr>
+            <a:picLocks noChangeAspect="1"/>
+          </p:cNvPicPr>
+          <p:nvPr/>
+        </p:nvPicPr>
+        <p:blipFill>
+          <a:blip r:embed="rId2"/>
+          <a:stretch>
+            <a:fillRect/>
+          </a:stretch>
+        </p:blipFill>
+        <p:spPr>
+          <a:xfrm>
+            <a:off x="5653272" y="1587987"/>
+            <a:ext cx="5619646" cy="4076654"/>
+          </a:xfrm>
+          <a:prstGeom prst="rect">
+            <a:avLst/>
+          </a:prstGeom>
+        </p:spPr>
+      </p:pic>
+      <p:sp>
+        <p:nvSpPr>
+          <p:cNvPr id="7" name="文本框 6"/>
+          <p:cNvSpPr txBox="1"/>
+          <p:nvPr/>
+        </p:nvSpPr>
+        <p:spPr>
+          <a:xfrm>
+            <a:off x="775315" y="1919316"/>
+            <a:ext cx="4447713" cy="646331"/>
+          </a:xfrm>
+          <a:prstGeom prst="rect">
+            <a:avLst/>
+          </a:prstGeom>
+          <a:noFill/>
+        </p:spPr>
+        <p:txBody>
+          <a:bodyPr wrap="square" rtlCol="0">
+            <a:spAutoFit/>
+          </a:bodyPr>
+          <a:lstStyle/>
+          <a:p>
+            <a:pPr marL="285750" indent="-285750">
+              <a:buFont typeface="Arial" panose="020B0604020202020204" pitchFamily="34" charset="0"/>
+              <a:buChar char="•"/>
+            </a:pPr>
+            <a:r>
+              <a:rPr lang="zh-CN" altLang="en-US" dirty="0" smtClean="0"/>
+              <a:t>每个元素的</a:t>
+            </a:r>
+            <a:r>
+              <a:rPr lang="en-US" altLang="zh-CN" dirty="0" smtClean="0"/>
+              <a:t>cost</a:t>
+            </a:r>
+            <a:r>
+              <a:rPr lang="zh-CN" altLang="en-US" dirty="0" smtClean="0"/>
+              <a:t>值是指移动到下一个空位需要移动多少次</a:t>
+            </a:r>
+            <a:endParaRPr lang="zh-CN" altLang="en-US" dirty="0"/>
+          </a:p>
+        </p:txBody>
+      </p:sp>
+      <p:pic>
+        <p:nvPicPr>
+          <p:cNvPr id="9" name="图片 8"/>
+          <p:cNvPicPr>
+            <a:picLocks noChangeAspect="1"/>
+          </p:cNvPicPr>
+          <p:nvPr/>
+        </p:nvPicPr>
+        <p:blipFill>
+          <a:blip r:embed="rId3"/>
+          <a:stretch>
+            <a:fillRect/>
+          </a:stretch>
+        </p:blipFill>
+        <p:spPr>
+          <a:xfrm>
+            <a:off x="1678864" y="2565647"/>
+            <a:ext cx="2640613" cy="962257"/>
+          </a:xfrm>
+          <a:prstGeom prst="rect">
+            <a:avLst/>
+          </a:prstGeom>
+        </p:spPr>
+      </p:pic>
+      <p:sp>
+        <p:nvSpPr>
+          <p:cNvPr id="10" name="矩形 9"/>
+          <p:cNvSpPr/>
+          <p:nvPr/>
+        </p:nvSpPr>
+        <p:spPr>
+          <a:xfrm>
+            <a:off x="775315" y="3626314"/>
+            <a:ext cx="4345325" cy="369332"/>
+          </a:xfrm>
+          <a:prstGeom prst="rect">
+            <a:avLst/>
+          </a:prstGeom>
+        </p:spPr>
+        <p:txBody>
+          <a:bodyPr wrap="square">
+            <a:spAutoFit/>
+          </a:bodyPr>
+          <a:lstStyle/>
+          <a:p>
+            <a:pPr marL="285750" indent="-285750">
+              <a:buFont typeface="Arial" panose="020B0604020202020204" pitchFamily="34" charset="0"/>
+              <a:buChar char="•"/>
+            </a:pPr>
+            <a:r>
+              <a:rPr lang="zh-CN" altLang="en-US" dirty="0" smtClean="0"/>
+              <a:t>可以使用动态规划计算</a:t>
+            </a:r>
+            <a:r>
+              <a:rPr lang="en-US" altLang="zh-CN" dirty="0" smtClean="0"/>
+              <a:t>cost</a:t>
+            </a:r>
+            <a:r>
+              <a:rPr lang="zh-CN" altLang="en-US" dirty="0" smtClean="0"/>
+              <a:t>值</a:t>
+            </a:r>
+            <a:endParaRPr lang="zh-CN" altLang="en-US" dirty="0"/>
+          </a:p>
+        </p:txBody>
+      </p:sp>
+      <p:sp>
+        <p:nvSpPr>
+          <p:cNvPr id="11" name="矩形 10"/>
+          <p:cNvSpPr/>
+          <p:nvPr/>
+        </p:nvSpPr>
+        <p:spPr>
+          <a:xfrm>
+            <a:off x="775315" y="4292391"/>
+            <a:ext cx="4281941" cy="369332"/>
+          </a:xfrm>
+          <a:prstGeom prst="rect">
+            <a:avLst/>
+          </a:prstGeom>
+        </p:spPr>
+        <p:txBody>
+          <a:bodyPr wrap="none">
+            <a:spAutoFit/>
+          </a:bodyPr>
+          <a:lstStyle/>
+          <a:p>
+            <a:pPr marL="285750" indent="-285750">
+              <a:buFont typeface="Arial" panose="020B0604020202020204" pitchFamily="34" charset="0"/>
+              <a:buChar char="•"/>
+            </a:pPr>
+            <a:r>
+              <a:rPr lang="zh-CN" altLang="en-US" dirty="0" smtClean="0"/>
+              <a:t>引入辅助结构</a:t>
+            </a:r>
+            <a:r>
+              <a:rPr lang="en-US" altLang="zh-CN" dirty="0" smtClean="0"/>
+              <a:t>S</a:t>
+            </a:r>
+            <a:r>
+              <a:rPr lang="zh-CN" altLang="en-US" dirty="0" smtClean="0"/>
+              <a:t>，记录需要关注的规则</a:t>
+            </a:r>
+            <a:endParaRPr lang="zh-CN" altLang="en-US" dirty="0"/>
+          </a:p>
+        </p:txBody>
+      </p:sp>
+      <p:sp>
+        <p:nvSpPr>
+          <p:cNvPr id="12" name="矩形 11"/>
+          <p:cNvSpPr/>
+          <p:nvPr/>
+        </p:nvSpPr>
+        <p:spPr>
+          <a:xfrm>
+            <a:off x="775315" y="5056313"/>
+            <a:ext cx="2666114" cy="369332"/>
+          </a:xfrm>
+          <a:prstGeom prst="rect">
+            <a:avLst/>
+          </a:prstGeom>
+        </p:spPr>
+        <p:txBody>
+          <a:bodyPr wrap="none">
+            <a:spAutoFit/>
+          </a:bodyPr>
+          <a:lstStyle/>
+          <a:p>
+            <a:pPr marL="285750" indent="-285750">
+              <a:buFont typeface="Arial" panose="020B0604020202020204" pitchFamily="34" charset="0"/>
+              <a:buChar char="•"/>
+            </a:pPr>
+            <a:r>
+              <a:rPr lang="zh-CN" altLang="en-US" dirty="0" smtClean="0"/>
+              <a:t>利用</a:t>
+            </a:r>
+            <a:r>
+              <a:rPr lang="en-US" altLang="zh-CN" dirty="0" smtClean="0"/>
+              <a:t>S</a:t>
+            </a:r>
+            <a:r>
+              <a:rPr lang="zh-CN" altLang="en-US" dirty="0" smtClean="0"/>
+              <a:t>降低算法复杂度</a:t>
+            </a:r>
+            <a:endParaRPr lang="zh-CN" altLang="en-US" dirty="0"/>
+          </a:p>
+        </p:txBody>
+      </p:sp>
+    </p:spTree>
+    <p:extLst>
+      <p:ext uri="{BB962C8B-B14F-4D97-AF65-F5344CB8AC3E}">
+        <p14:creationId xmlns:p14="http://schemas.microsoft.com/office/powerpoint/2010/main" val="175426008"/>
+      </p:ext>
+    </p:extLst>
+  </p:cSld>
+  <p:clrMapOvr>
+    <a:masterClrMapping/>
+  </p:clrMapOvr>
+</p:sld>
+</file>
+
+<file path=ppt/slides/slide23.xml><?xml version="1.0" encoding="utf-8"?>
+<p:sld xmlns:a="http://schemas.openxmlformats.org/drawingml/2006/main" xmlns:r="http://schemas.openxmlformats.org/officeDocument/2006/relationships" xmlns:p="http://schemas.openxmlformats.org/presentationml/2006/main">
+  <p:cSld>
+    <p:spTree>
+      <p:nvGrpSpPr>
+        <p:cNvPr id="1" name=""/>
+        <p:cNvGrpSpPr/>
+        <p:nvPr/>
+      </p:nvGrpSpPr>
+      <p:grpSpPr>
+        <a:xfrm>
+          <a:off x="0" y="0"/>
+          <a:ext cx="0" cy="0"/>
+          <a:chOff x="0" y="0"/>
+          <a:chExt cx="0" cy="0"/>
+        </a:xfrm>
+      </p:grpSpPr>
+      <p:sp>
+        <p:nvSpPr>
+          <p:cNvPr id="2" name="文本占位符 1"/>
+          <p:cNvSpPr>
+            <a:spLocks noGrp="1"/>
+          </p:cNvSpPr>
+          <p:nvPr>
+            <p:ph type="body" sz="quarter" idx="10"/>
+          </p:nvPr>
+        </p:nvSpPr>
+        <p:spPr/>
+        <p:txBody>
+          <a:bodyPr/>
+          <a:lstStyle/>
+          <a:p>
+            <a:r>
+              <a:rPr lang="en-US" altLang="zh-CN" dirty="0" err="1" smtClean="0"/>
+              <a:t>FastUp</a:t>
+            </a:r>
+            <a:r>
+              <a:rPr lang="zh-CN" altLang="en-US" dirty="0" smtClean="0"/>
+              <a:t>算法设计</a:t>
+            </a:r>
+            <a:endParaRPr lang="zh-CN" altLang="en-US" dirty="0"/>
+          </a:p>
+        </p:txBody>
+      </p:sp>
+      <p:sp>
+        <p:nvSpPr>
+          <p:cNvPr id="3" name="文本占位符 2"/>
+          <p:cNvSpPr>
+            <a:spLocks noGrp="1"/>
+          </p:cNvSpPr>
+          <p:nvPr>
+            <p:ph type="body" sz="quarter" idx="11"/>
+          </p:nvPr>
+        </p:nvSpPr>
+        <p:spPr/>
+        <p:txBody>
+          <a:bodyPr/>
+          <a:lstStyle/>
+          <a:p>
+            <a:r>
+              <a:rPr lang="en-US" altLang="zh-CN" dirty="0" smtClean="0"/>
+              <a:t>02</a:t>
+            </a:r>
+            <a:endParaRPr lang="zh-CN" altLang="en-US" dirty="0"/>
+          </a:p>
+        </p:txBody>
+      </p:sp>
+      <p:sp>
+        <p:nvSpPr>
+          <p:cNvPr id="4" name="矩形 3"/>
+          <p:cNvSpPr/>
+          <p:nvPr/>
+        </p:nvSpPr>
+        <p:spPr>
+          <a:xfrm>
+            <a:off x="623208" y="1060427"/>
+            <a:ext cx="2492990" cy="369332"/>
+          </a:xfrm>
+          <a:prstGeom prst="rect">
+            <a:avLst/>
+          </a:prstGeom>
+        </p:spPr>
+        <p:txBody>
+          <a:bodyPr wrap="none">
+            <a:spAutoFit/>
+          </a:bodyPr>
+          <a:lstStyle/>
+          <a:p>
+            <a:r>
+              <a:rPr lang="zh-CN" altLang="en-US" dirty="0" smtClean="0"/>
+              <a:t>第三步：执行移动操作</a:t>
+            </a:r>
+            <a:endParaRPr lang="zh-CN" altLang="en-US" dirty="0"/>
+          </a:p>
+        </p:txBody>
+      </p:sp>
+      <p:pic>
+        <p:nvPicPr>
+          <p:cNvPr id="5" name="图片 4"/>
+          <p:cNvPicPr>
+            <a:picLocks noChangeAspect="1"/>
+          </p:cNvPicPr>
+          <p:nvPr/>
+        </p:nvPicPr>
+        <p:blipFill>
+          <a:blip r:embed="rId2"/>
+          <a:stretch>
+            <a:fillRect/>
+          </a:stretch>
+        </p:blipFill>
+        <p:spPr>
+          <a:xfrm>
+            <a:off x="2644388" y="1580678"/>
+            <a:ext cx="6757063" cy="4504709"/>
+          </a:xfrm>
+          <a:prstGeom prst="rect">
+            <a:avLst/>
+          </a:prstGeom>
+        </p:spPr>
+      </p:pic>
+    </p:spTree>
+    <p:extLst>
+      <p:ext uri="{BB962C8B-B14F-4D97-AF65-F5344CB8AC3E}">
+        <p14:creationId xmlns:p14="http://schemas.microsoft.com/office/powerpoint/2010/main" val="998435729"/>
+      </p:ext>
+    </p:extLst>
+  </p:cSld>
+  <p:clrMapOvr>
+    <a:masterClrMapping/>
+  </p:clrMapOvr>
+</p:sld>
+</file>
+
+<file path=ppt/slides/slide24.xml><?xml version="1.0" encoding="utf-8"?>
+<p:sld xmlns:a="http://schemas.openxmlformats.org/drawingml/2006/main" xmlns:r="http://schemas.openxmlformats.org/officeDocument/2006/relationships" xmlns:p="http://schemas.openxmlformats.org/presentationml/2006/main">
+  <p:cSld>
+    <p:spTree>
+      <p:nvGrpSpPr>
+        <p:cNvPr id="1" name=""/>
+        <p:cNvGrpSpPr/>
+        <p:nvPr/>
+      </p:nvGrpSpPr>
+      <p:grpSpPr>
+        <a:xfrm>
+          <a:off x="0" y="0"/>
+          <a:ext cx="0" cy="0"/>
+          <a:chOff x="0" y="0"/>
+          <a:chExt cx="0" cy="0"/>
+        </a:xfrm>
+      </p:grpSpPr>
+      <p:sp>
+        <p:nvSpPr>
+          <p:cNvPr id="2" name="文本占位符 1"/>
+          <p:cNvSpPr>
+            <a:spLocks noGrp="1"/>
+          </p:cNvSpPr>
+          <p:nvPr>
+            <p:ph type="body" sz="quarter" idx="10"/>
+          </p:nvPr>
+        </p:nvSpPr>
+        <p:spPr/>
+        <p:txBody>
+          <a:bodyPr/>
+          <a:lstStyle/>
+          <a:p>
+            <a:r>
+              <a:rPr lang="zh-CN" altLang="en-US" dirty="0" smtClean="0"/>
+              <a:t>实验结果</a:t>
+            </a:r>
+            <a:endParaRPr lang="zh-CN" altLang="en-US" dirty="0"/>
+          </a:p>
+        </p:txBody>
+      </p:sp>
+      <p:sp>
+        <p:nvSpPr>
+          <p:cNvPr id="3" name="文本占位符 2"/>
+          <p:cNvSpPr>
+            <a:spLocks noGrp="1"/>
+          </p:cNvSpPr>
+          <p:nvPr>
+            <p:ph type="body" sz="quarter" idx="11"/>
+          </p:nvPr>
+        </p:nvSpPr>
+        <p:spPr/>
+        <p:txBody>
+          <a:bodyPr/>
+          <a:lstStyle/>
+          <a:p>
+            <a:r>
+              <a:rPr lang="en-US" altLang="zh-CN" dirty="0" smtClean="0"/>
+              <a:t>03</a:t>
+            </a:r>
+            <a:endParaRPr lang="zh-CN" altLang="en-US" dirty="0"/>
+          </a:p>
+        </p:txBody>
+      </p:sp>
+      <p:pic>
+        <p:nvPicPr>
+          <p:cNvPr id="4" name="图片 3"/>
+          <p:cNvPicPr>
+            <a:picLocks noChangeAspect="1"/>
+          </p:cNvPicPr>
+          <p:nvPr/>
+        </p:nvPicPr>
+        <p:blipFill>
+          <a:blip r:embed="rId2"/>
+          <a:stretch>
+            <a:fillRect/>
+          </a:stretch>
+        </p:blipFill>
+        <p:spPr>
+          <a:xfrm>
+            <a:off x="1190247" y="994065"/>
+            <a:ext cx="9587245" cy="4768817"/>
+          </a:xfrm>
+          <a:prstGeom prst="rect">
+            <a:avLst/>
+          </a:prstGeom>
+        </p:spPr>
+      </p:pic>
+    </p:spTree>
+    <p:extLst>
+      <p:ext uri="{BB962C8B-B14F-4D97-AF65-F5344CB8AC3E}">
+        <p14:creationId xmlns:p14="http://schemas.microsoft.com/office/powerpoint/2010/main" val="1390620528"/>
+      </p:ext>
+    </p:extLst>
+  </p:cSld>
+  <p:clrMapOvr>
+    <a:masterClrMapping/>
+  </p:clrMapOvr>
+</p:sld>
+</file>
+
 <file path=ppt/slides/slide3.xml><?xml version="1.0" encoding="utf-8"?>
 <p:sld xmlns:a="http://schemas.openxmlformats.org/drawingml/2006/main" xmlns:r="http://schemas.openxmlformats.org/officeDocument/2006/relationships" xmlns:p="http://schemas.openxmlformats.org/presentationml/2006/main">
   <p:cSld>
@@ -8971,7 +11095,7 @@
           <a:p>
             <a:r>
               <a:rPr lang="en-US" altLang="zh-CN" dirty="0" smtClean="0"/>
-              <a:t>01</a:t>
+              <a:t>02</a:t>
             </a:r>
             <a:endParaRPr lang="zh-CN" altLang="en-US" dirty="0"/>
           </a:p>
@@ -9142,7 +11266,7 @@
           <a:p>
             <a:r>
               <a:rPr lang="en-US" altLang="zh-CN" dirty="0" smtClean="0"/>
-              <a:t>02</a:t>
+              <a:t>03</a:t>
             </a:r>
             <a:endParaRPr lang="zh-CN" altLang="en-US" dirty="0"/>
           </a:p>
@@ -9380,7 +11504,7 @@
           <a:p>
             <a:r>
               <a:rPr lang="en-US" altLang="zh-CN" dirty="0" smtClean="0"/>
-              <a:t>02</a:t>
+              <a:t>03</a:t>
             </a:r>
             <a:endParaRPr lang="zh-CN" altLang="en-US" dirty="0"/>
           </a:p>
@@ -9437,8 +11561,12 @@
               <a:t>1. </a:t>
             </a:r>
             <a:r>
-              <a:rPr lang="zh-CN" altLang="en-US" dirty="0" smtClean="0"/>
-              <a:t>并行操作的优先级定义：</a:t>
+              <a:rPr lang="zh-CN" altLang="en-US" b="1" dirty="0" smtClean="0"/>
+              <a:t>并行操作</a:t>
+            </a:r>
+            <a:r>
+              <a:rPr lang="zh-CN" altLang="en-US" dirty="0" smtClean="0"/>
+              <a:t>的优先级定义：</a:t>
             </a:r>
             <a:endParaRPr lang="zh-CN" altLang="en-US" dirty="0"/>
           </a:p>
@@ -9499,8 +11627,12 @@
               <a:t>. </a:t>
             </a:r>
             <a:r>
-              <a:rPr lang="zh-CN" altLang="en-US" dirty="0" smtClean="0"/>
-              <a:t>串行操作的优先级定义：</a:t>
+              <a:rPr lang="zh-CN" altLang="en-US" b="1" dirty="0" smtClean="0"/>
+              <a:t>串行操作</a:t>
+            </a:r>
+            <a:r>
+              <a:rPr lang="zh-CN" altLang="en-US" dirty="0" smtClean="0"/>
+              <a:t>的优先级定义：</a:t>
             </a:r>
             <a:endParaRPr lang="zh-CN" altLang="en-US" dirty="0"/>
           </a:p>
@@ -9627,8 +11759,12 @@
               <a:t>. </a:t>
             </a:r>
             <a:r>
-              <a:rPr lang="zh-CN" altLang="en-US" dirty="0" smtClean="0"/>
-              <a:t>覆盖操作的优先级定义：</a:t>
+              <a:rPr lang="zh-CN" altLang="en-US" b="1" dirty="0" smtClean="0"/>
+              <a:t>覆盖操作</a:t>
+            </a:r>
+            <a:r>
+              <a:rPr lang="zh-CN" altLang="en-US" dirty="0" smtClean="0"/>
+              <a:t>的优先级定义：</a:t>
             </a:r>
             <a:endParaRPr lang="zh-CN" altLang="en-US" dirty="0"/>
           </a:p>
@@ -9765,7 +11901,7 @@
           <a:p>
             <a:r>
               <a:rPr lang="en-US" altLang="zh-CN" dirty="0" smtClean="0"/>
-              <a:t>03</a:t>
+              <a:t>04</a:t>
             </a:r>
             <a:endParaRPr lang="zh-CN" altLang="en-US" dirty="0"/>
           </a:p>
@@ -9963,7 +12099,7 @@
           <a:p>
             <a:r>
               <a:rPr lang="en-US" altLang="zh-CN" dirty="0" smtClean="0"/>
-              <a:t>03</a:t>
+              <a:t>04</a:t>
             </a:r>
             <a:endParaRPr lang="zh-CN" altLang="en-US" dirty="0"/>
           </a:p>
@@ -10266,7 +12402,7 @@
           <a:p>
             <a:r>
               <a:rPr lang="en-US" altLang="zh-CN" dirty="0" smtClean="0"/>
-              <a:t>03</a:t>
+              <a:t>05</a:t>
             </a:r>
             <a:endParaRPr lang="zh-CN" altLang="en-US" dirty="0"/>
           </a:p>
@@ -10530,7 +12666,7 @@
           <a:p>
             <a:r>
               <a:rPr lang="en-US" altLang="zh-CN" dirty="0" smtClean="0"/>
-              <a:t>04</a:t>
+              <a:t>05</a:t>
             </a:r>
             <a:endParaRPr lang="zh-CN" altLang="en-US" dirty="0"/>
           </a:p>

--- a/homework12_22/崔浩/SDN1222-崔浩.pptx
+++ b/homework12_22/崔浩/SDN1222-崔浩.pptx
@@ -6936,11 +6936,7 @@
           <a:p>
             <a:r>
               <a:rPr lang="zh-CN" altLang="en-US" dirty="0" smtClean="0"/>
-              <a:t>标题</a:t>
-            </a:r>
-            <a:r>
-              <a:rPr lang="zh-CN" altLang="en-US" dirty="0" smtClean="0"/>
-              <a:t>：</a:t>
+              <a:t>标题：</a:t>
             </a:r>
             <a:endParaRPr lang="en-US" altLang="zh-CN" dirty="0" smtClean="0"/>
           </a:p>
@@ -6962,11 +6958,7 @@
             </a:r>
             <a:r>
               <a:rPr lang="en-US" altLang="zh-CN" dirty="0"/>
-              <a:t> Switches</a:t>
-            </a:r>
-            <a:r>
-              <a:rPr lang="en-US" altLang="zh-CN" dirty="0"/>
-              <a:t> </a:t>
+              <a:t> Switches </a:t>
             </a:r>
             <a:endParaRPr lang="en-US" altLang="zh-CN" dirty="0" smtClean="0"/>
           </a:p>
@@ -6995,11 +6987,7 @@
           <a:p>
             <a:r>
               <a:rPr lang="zh-CN" altLang="en-US" dirty="0" smtClean="0"/>
-              <a:t>概要</a:t>
-            </a:r>
-            <a:r>
-              <a:rPr lang="zh-CN" altLang="en-US" dirty="0" smtClean="0"/>
-              <a:t>：</a:t>
+              <a:t>概要：</a:t>
             </a:r>
             <a:endParaRPr lang="en-US" altLang="zh-CN" dirty="0" smtClean="0"/>
           </a:p>
@@ -7062,11 +7050,7 @@
             </a:r>
             <a:r>
               <a:rPr lang="zh-CN" altLang="en-US" dirty="0" smtClean="0"/>
-              <a:t>适用于查询，不适用于更新</a:t>
-            </a:r>
-            <a:r>
-              <a:rPr lang="zh-CN" altLang="en-US" dirty="0" smtClean="0"/>
-              <a:t>。</a:t>
+              <a:t>适用于查询，不适用于更新。</a:t>
             </a:r>
             <a:endParaRPr lang="en-US" altLang="zh-CN" dirty="0" smtClean="0"/>
           </a:p>

--- a/homework12_22/崔浩/SDN1222-崔浩.pptx
+++ b/homework12_22/崔浩/SDN1222-崔浩.pptx
@@ -224,7 +224,7 @@
           <a:p>
             <a:fld id="{3E6E1E63-6347-BD4F-A808-7F54FA34CE72}" type="datetimeFigureOut">
               <a:rPr kumimoji="1" lang="zh-CN" altLang="en-US" smtClean="0"/>
-              <a:t>2018/12/20</a:t>
+              <a:t>2018-12-21</a:t>
             </a:fld>
             <a:endParaRPr kumimoji="1" lang="zh-CN" altLang="en-US"/>
           </a:p>
@@ -10194,7 +10194,7 @@
         <p:spPr>
           <a:xfrm>
             <a:off x="6081204" y="1925546"/>
-            <a:ext cx="4793942" cy="3724096"/>
+            <a:ext cx="4793942" cy="3877985"/>
           </a:xfrm>
           <a:prstGeom prst="rect">
             <a:avLst/>
@@ -10244,7 +10244,15 @@
             </a:pPr>
             <a:r>
               <a:rPr lang="zh-CN" altLang="en-US" dirty="0" smtClean="0"/>
-              <a:t>找到上方一个控制，判断这个空格下面有多少规则优先级高于新插入的规则，记这个数量为</a:t>
+              <a:t>找到上方一</a:t>
+            </a:r>
+            <a:r>
+              <a:rPr lang="zh-CN" altLang="en-US" dirty="0" smtClean="0"/>
+              <a:t>个空格，</a:t>
+            </a:r>
+            <a:r>
+              <a:rPr lang="zh-CN" altLang="en-US" dirty="0" smtClean="0"/>
+              <a:t>判断这个空格下面有多少规则优先级高于新插入的规则，记这个数量为</a:t>
             </a:r>
             <a:r>
               <a:rPr lang="en-US" altLang="zh-CN" dirty="0"/>
@@ -10432,9 +10440,24 @@
               <a:buFontTx/>
               <a:buAutoNum type="arabicPeriod"/>
             </a:pPr>
-            <a:r>
-              <a:rPr lang="zh-CN" altLang="en-US" dirty="0" smtClean="0"/>
-              <a:t>重复这个过程，直到找到一个可以插入的范围。</a:t>
+            <a:endParaRPr lang="en-US" altLang="zh-CN" sz="1000" dirty="0" smtClean="0">
+              <a:solidFill>
+                <a:prstClr val="black"/>
+              </a:solidFill>
+            </a:endParaRPr>
+          </a:p>
+          <a:p>
+            <a:pPr marL="342900" indent="-342900">
+              <a:buFontTx/>
+              <a:buAutoNum type="arabicPeriod"/>
+            </a:pPr>
+            <a:r>
+              <a:rPr lang="zh-CN" altLang="en-US" dirty="0" smtClean="0"/>
+              <a:t>重复这个过程，直到找到一个可以插入的范围</a:t>
+            </a:r>
+            <a:r>
+              <a:rPr lang="zh-CN" altLang="en-US" dirty="0" smtClean="0"/>
+              <a:t>。</a:t>
             </a:r>
             <a:endParaRPr lang="en-US" altLang="zh-CN" dirty="0"/>
           </a:p>
@@ -10861,7 +10884,7 @@
         <p:spPr>
           <a:xfrm>
             <a:off x="623208" y="1060427"/>
-            <a:ext cx="2492990" cy="369332"/>
+            <a:ext cx="2723823" cy="369332"/>
           </a:xfrm>
           <a:prstGeom prst="rect">
             <a:avLst/>
@@ -10875,7 +10898,7 @@
           <a:p>
             <a:r>
               <a:rPr lang="zh-CN" altLang="en-US" dirty="0" smtClean="0"/>
-              <a:t>第三步：执行移动操作</a:t>
+              <a:t>第二步：完整的算法描述</a:t>
             </a:r>
             <a:endParaRPr lang="zh-CN" altLang="en-US" dirty="0"/>
           </a:p>
